--- a/website/assets/pptx/lists.pptx
+++ b/website/assets/pptx/lists.pptx
@@ -2899,7 +2899,7 @@
         </p:nvSpPr>
         <p:spPr>
           <a:xfrm>
-            <a:off x="5269464" y="903724"/>
+            <a:off x="5235397" y="912960"/>
             <a:ext cx="2645869" cy="467174"/>
           </a:xfrm>
           <a:prstGeom prst="roundRect">
@@ -2966,16 +2966,16 @@
         </p:nvCxnSpPr>
         <p:spPr>
           <a:xfrm>
-            <a:off x="6592399" y="903724"/>
+            <a:off x="6558332" y="912960"/>
             <a:ext cx="0" cy="467174"/>
           </a:xfrm>
           <a:prstGeom prst="line">
             <a:avLst/>
           </a:prstGeom>
           <a:noFill/>
-          <a:ln w="25400" cap="flat">
-            <a:solidFill>
-              <a:schemeClr val="accent1"/>
+          <a:ln w="12700" cap="flat">
+            <a:solidFill>
+              <a:schemeClr val="tx1"/>
             </a:solidFill>
             <a:prstDash val="solid"/>
             <a:round/>
@@ -3016,8 +3016,8 @@
         </p:nvGrpSpPr>
         <p:grpSpPr>
           <a:xfrm>
-            <a:off x="6157666" y="5250396"/>
-            <a:ext cx="869467" cy="230736"/>
+            <a:off x="6156223" y="4943089"/>
+            <a:ext cx="869467" cy="165146"/>
             <a:chOff x="6157667" y="3509475"/>
             <a:chExt cx="869467" cy="923290"/>
           </a:xfrm>
@@ -3206,423 +3206,402 @@
           </p:txBody>
         </p:sp>
       </p:grpSp>
-      <p:grpSp>
-        <p:nvGrpSpPr>
-          <p:cNvPr id="97" name="Group 96">
+      <p:sp>
+        <p:nvSpPr>
+          <p:cNvPr id="7" name="Shape 145">
             <a:extLst>
               <a:ext uri="{FF2B5EF4-FFF2-40B4-BE49-F238E27FC236}">
-                <a16:creationId xmlns:a16="http://schemas.microsoft.com/office/drawing/2014/main" id="{E75264BA-7A70-61CD-E538-522CAF09C5DD}"/>
+                <a16:creationId xmlns:a16="http://schemas.microsoft.com/office/drawing/2014/main" id="{0E08B03A-63B8-0FE1-A3EF-9259C8A56900}"/>
               </a:ext>
             </a:extLst>
           </p:cNvPr>
-          <p:cNvGrpSpPr/>
+          <p:cNvSpPr/>
           <p:nvPr/>
-        </p:nvGrpSpPr>
-        <p:grpSpPr>
+        </p:nvSpPr>
+        <p:spPr>
           <a:xfrm>
             <a:off x="1965391" y="2453640"/>
-            <a:ext cx="3301189" cy="3207029"/>
-            <a:chOff x="1965389" y="2453638"/>
-            <a:chExt cx="3301189" cy="3207029"/>
+            <a:ext cx="2645869" cy="893958"/>
           </a:xfrm>
-        </p:grpSpPr>
-        <p:sp>
-          <p:nvSpPr>
-            <p:cNvPr id="7" name="Shape 145">
-              <a:extLst>
-                <a:ext uri="{FF2B5EF4-FFF2-40B4-BE49-F238E27FC236}">
-                  <a16:creationId xmlns:a16="http://schemas.microsoft.com/office/drawing/2014/main" id="{0E08B03A-63B8-0FE1-A3EF-9259C8A56900}"/>
-                </a:ext>
-              </a:extLst>
-            </p:cNvPr>
-            <p:cNvSpPr/>
-            <p:nvPr/>
-          </p:nvSpPr>
-          <p:spPr>
-            <a:xfrm>
-              <a:off x="1965389" y="2453638"/>
-              <a:ext cx="2645869" cy="893958"/>
-            </a:xfrm>
-            <a:prstGeom prst="roundRect">
-              <a:avLst>
-                <a:gd name="adj" fmla="val 29777"/>
-              </a:avLst>
-            </a:prstGeom>
-            <a:gradFill>
-              <a:gsLst>
-                <a:gs pos="0">
-                  <a:srgbClr val="F5D328"/>
-                </a:gs>
-                <a:gs pos="100000">
-                  <a:srgbClr val="C3971A"/>
-                </a:gs>
-              </a:gsLst>
-              <a:lin ang="5400000"/>
-            </a:gradFill>
-            <a:ln w="12700">
-              <a:miter lim="400000"/>
-            </a:ln>
-            <a:effectLst>
-              <a:outerShdw blurRad="38100" dist="25400" dir="5400000" rotWithShape="0">
-                <a:srgbClr val="000000">
-                  <a:alpha val="50000"/>
-                </a:srgbClr>
-              </a:outerShdw>
-            </a:effectLst>
-          </p:spPr>
-          <p:txBody>
-            <a:bodyPr lIns="50800" tIns="50800" rIns="50800" bIns="50800" anchor="ctr"/>
-            <a:lstStyle/>
-            <a:p>
-              <a:pPr>
-                <a:defRPr sz="2400">
-                  <a:solidFill>
-                    <a:srgbClr val="FFFFFF"/>
-                  </a:solidFill>
-                  <a:latin typeface="Helvetica Light"/>
-                  <a:ea typeface="Helvetica Light"/>
-                  <a:cs typeface="Helvetica Light"/>
-                  <a:sym typeface="Helvetica Light"/>
-                </a:defRPr>
-              </a:pPr>
-              <a:endParaRPr sz="2400"/>
-            </a:p>
-          </p:txBody>
-        </p:sp>
-        <p:cxnSp>
-          <p:nvCxnSpPr>
-            <p:cNvPr id="19" name="Straight Connector 18">
-              <a:extLst>
-                <a:ext uri="{FF2B5EF4-FFF2-40B4-BE49-F238E27FC236}">
-                  <a16:creationId xmlns:a16="http://schemas.microsoft.com/office/drawing/2014/main" id="{950A7840-E901-1642-66EB-8EDB00E61805}"/>
-                </a:ext>
-              </a:extLst>
-            </p:cNvPr>
-            <p:cNvCxnSpPr>
-              <a:stCxn id="7" idx="1"/>
-              <a:endCxn id="7" idx="3"/>
-            </p:cNvCxnSpPr>
-            <p:nvPr/>
-          </p:nvCxnSpPr>
-          <p:spPr>
-            <a:xfrm>
-              <a:off x="1965389" y="2900617"/>
-              <a:ext cx="2645869" cy="0"/>
-            </a:xfrm>
-            <a:prstGeom prst="line">
-              <a:avLst/>
-            </a:prstGeom>
-            <a:noFill/>
-            <a:ln w="25400" cap="flat">
-              <a:solidFill>
-                <a:schemeClr val="accent1"/>
-              </a:solidFill>
-              <a:prstDash val="solid"/>
-              <a:round/>
-            </a:ln>
-            <a:effectLst>
-              <a:outerShdw blurRad="38100" dist="25400" dir="5400000" rotWithShape="0">
-                <a:srgbClr val="000000">
-                  <a:alpha val="50000"/>
-                </a:srgbClr>
-              </a:outerShdw>
-            </a:effectLst>
-            <a:sp3d/>
-          </p:spPr>
-          <p:style>
-            <a:lnRef idx="0">
-              <a:scrgbClr r="0" g="0" b="0"/>
-            </a:lnRef>
-            <a:fillRef idx="0">
-              <a:scrgbClr r="0" g="0" b="0"/>
-            </a:fillRef>
-            <a:effectRef idx="0">
-              <a:scrgbClr r="0" g="0" b="0"/>
-            </a:effectRef>
-            <a:fontRef idx="none"/>
-          </p:style>
-        </p:cxnSp>
-        <p:cxnSp>
-          <p:nvCxnSpPr>
-            <p:cNvPr id="21" name="Straight Connector 20">
-              <a:extLst>
-                <a:ext uri="{FF2B5EF4-FFF2-40B4-BE49-F238E27FC236}">
-                  <a16:creationId xmlns:a16="http://schemas.microsoft.com/office/drawing/2014/main" id="{7511E8C1-42C4-FABF-178D-02705AA20C07}"/>
-                </a:ext>
-              </a:extLst>
-            </p:cNvPr>
-            <p:cNvCxnSpPr>
-              <a:cxnSpLocks/>
-              <a:stCxn id="7" idx="0"/>
-            </p:cNvCxnSpPr>
-            <p:nvPr/>
-          </p:nvCxnSpPr>
-          <p:spPr>
-            <a:xfrm>
-              <a:off x="3288324" y="2453638"/>
-              <a:ext cx="0" cy="457077"/>
-            </a:xfrm>
-            <a:prstGeom prst="line">
-              <a:avLst/>
-            </a:prstGeom>
-            <a:noFill/>
-            <a:ln w="25400" cap="flat">
-              <a:solidFill>
-                <a:schemeClr val="accent1"/>
-              </a:solidFill>
-              <a:prstDash val="solid"/>
-              <a:round/>
-            </a:ln>
-            <a:effectLst>
-              <a:outerShdw blurRad="38100" dist="25400" dir="5400000" rotWithShape="0">
-                <a:srgbClr val="000000">
-                  <a:alpha val="50000"/>
-                </a:srgbClr>
-              </a:outerShdw>
-            </a:effectLst>
-            <a:sp3d/>
-          </p:spPr>
-          <p:style>
-            <a:lnRef idx="0">
-              <a:scrgbClr r="0" g="0" b="0"/>
-            </a:lnRef>
-            <a:fillRef idx="0">
-              <a:scrgbClr r="0" g="0" b="0"/>
-            </a:fillRef>
-            <a:effectRef idx="0">
-              <a:scrgbClr r="0" g="0" b="0"/>
-            </a:effectRef>
-            <a:fontRef idx="none"/>
-          </p:style>
-        </p:cxnSp>
-        <p:sp>
-          <p:nvSpPr>
-            <p:cNvPr id="26" name="Shape 165">
-              <a:extLst>
-                <a:ext uri="{FF2B5EF4-FFF2-40B4-BE49-F238E27FC236}">
-                  <a16:creationId xmlns:a16="http://schemas.microsoft.com/office/drawing/2014/main" id="{49145C8C-6EC8-3B41-3B21-3E3D543BB7A7}"/>
-                </a:ext>
-              </a:extLst>
-            </p:cNvPr>
-            <p:cNvSpPr/>
-            <p:nvPr/>
-          </p:nvSpPr>
-          <p:spPr>
-            <a:xfrm>
-              <a:off x="1965389" y="4390656"/>
-              <a:ext cx="2645869" cy="1270011"/>
-            </a:xfrm>
-            <a:prstGeom prst="roundRect">
-              <a:avLst>
-                <a:gd name="adj" fmla="val 15000"/>
-              </a:avLst>
-            </a:prstGeom>
-            <a:gradFill flip="none" rotWithShape="1">
-              <a:gsLst>
-                <a:gs pos="0">
-                  <a:srgbClr val="51A8F9"/>
-                </a:gs>
-                <a:gs pos="100000">
-                  <a:schemeClr val="accent1"/>
-                </a:gs>
-              </a:gsLst>
-              <a:lin ang="5400000" scaled="0"/>
-            </a:gradFill>
-            <a:ln w="12700" cap="flat">
-              <a:noFill/>
-              <a:miter lim="400000"/>
-            </a:ln>
-            <a:effectLst>
-              <a:outerShdw blurRad="38100" dist="25400" dir="5400000" rotWithShape="0">
-                <a:srgbClr val="000000">
-                  <a:alpha val="50000"/>
-                </a:srgbClr>
-              </a:outerShdw>
-            </a:effectLst>
-          </p:spPr>
-          <p:txBody>
-            <a:bodyPr wrap="square" lIns="50800" tIns="50800" rIns="50800" bIns="50800" numCol="1" anchor="ctr">
-              <a:noAutofit/>
-            </a:bodyPr>
-            <a:lstStyle/>
-            <a:p>
-              <a:pPr>
-                <a:defRPr sz="2400">
-                  <a:solidFill>
-                    <a:srgbClr val="FFFFFF"/>
-                  </a:solidFill>
-                  <a:latin typeface="Helvetica Light"/>
-                  <a:ea typeface="Helvetica Light"/>
-                  <a:cs typeface="Helvetica Light"/>
-                  <a:sym typeface="Helvetica Light"/>
-                </a:defRPr>
-              </a:pPr>
-              <a:endParaRPr sz="2400"/>
-            </a:p>
-          </p:txBody>
-        </p:sp>
-        <p:cxnSp>
-          <p:nvCxnSpPr>
-            <p:cNvPr id="29" name="Straight Arrow Connector 28">
-              <a:extLst>
-                <a:ext uri="{FF2B5EF4-FFF2-40B4-BE49-F238E27FC236}">
-                  <a16:creationId xmlns:a16="http://schemas.microsoft.com/office/drawing/2014/main" id="{E8BA23ED-4614-4539-F584-90ACB476609B}"/>
-                </a:ext>
-              </a:extLst>
-            </p:cNvPr>
-            <p:cNvCxnSpPr>
-              <a:cxnSpLocks/>
-              <a:endCxn id="26" idx="0"/>
-            </p:cNvCxnSpPr>
-            <p:nvPr/>
-          </p:nvCxnSpPr>
-          <p:spPr>
-            <a:xfrm>
-              <a:off x="3288324" y="3154491"/>
-              <a:ext cx="0" cy="1236165"/>
-            </a:xfrm>
-            <a:prstGeom prst="straightConnector1">
-              <a:avLst/>
-            </a:prstGeom>
-            <a:noFill/>
-            <a:ln w="25400" cap="flat">
-              <a:solidFill>
-                <a:schemeClr val="accent1"/>
-              </a:solidFill>
-              <a:prstDash val="solid"/>
-              <a:round/>
-              <a:headEnd type="oval"/>
-              <a:tailEnd type="triangle"/>
-            </a:ln>
-            <a:effectLst>
-              <a:outerShdw blurRad="38100" dist="25400" dir="5400000" rotWithShape="0">
-                <a:srgbClr val="000000">
-                  <a:alpha val="50000"/>
-                </a:srgbClr>
-              </a:outerShdw>
-            </a:effectLst>
-            <a:sp3d/>
-          </p:spPr>
-          <p:style>
-            <a:lnRef idx="0">
-              <a:scrgbClr r="0" g="0" b="0"/>
-            </a:lnRef>
-            <a:fillRef idx="0">
-              <a:scrgbClr r="0" g="0" b="0"/>
-            </a:fillRef>
-            <a:effectRef idx="0">
-              <a:scrgbClr r="0" g="0" b="0"/>
-            </a:effectRef>
-            <a:fontRef idx="none"/>
-          </p:style>
-        </p:cxnSp>
-        <p:cxnSp>
-          <p:nvCxnSpPr>
-            <p:cNvPr id="36" name="Straight Arrow Connector 35">
-              <a:extLst>
-                <a:ext uri="{FF2B5EF4-FFF2-40B4-BE49-F238E27FC236}">
-                  <a16:creationId xmlns:a16="http://schemas.microsoft.com/office/drawing/2014/main" id="{043BD834-DE34-D2DD-5EB9-32B4529CED2F}"/>
-                </a:ext>
-              </a:extLst>
-            </p:cNvPr>
-            <p:cNvCxnSpPr/>
-            <p:nvPr/>
-          </p:nvCxnSpPr>
-          <p:spPr>
-            <a:xfrm>
-              <a:off x="3955938" y="2697412"/>
-              <a:ext cx="1310640" cy="0"/>
-            </a:xfrm>
-            <a:prstGeom prst="straightConnector1">
-              <a:avLst/>
-            </a:prstGeom>
-            <a:noFill/>
-            <a:ln w="38100" cap="flat">
-              <a:solidFill>
-                <a:schemeClr val="accent1"/>
-              </a:solidFill>
-              <a:prstDash val="solid"/>
-              <a:round/>
-              <a:headEnd type="triangle" w="lg" len="lg"/>
-              <a:tailEnd type="triangle" w="lg" len="lg"/>
-            </a:ln>
-            <a:effectLst>
-              <a:outerShdw blurRad="38100" dist="25400" dir="5400000" rotWithShape="0">
-                <a:srgbClr val="000000">
-                  <a:alpha val="50000"/>
-                </a:srgbClr>
-              </a:outerShdw>
-            </a:effectLst>
-            <a:sp3d/>
-          </p:spPr>
-          <p:style>
-            <a:lnRef idx="0">
-              <a:scrgbClr r="0" g="0" b="0"/>
-            </a:lnRef>
-            <a:fillRef idx="0">
-              <a:scrgbClr r="0" g="0" b="0"/>
-            </a:fillRef>
-            <a:effectRef idx="0">
-              <a:scrgbClr r="0" g="0" b="0"/>
-            </a:effectRef>
-            <a:fontRef idx="none"/>
-          </p:style>
-        </p:cxnSp>
-        <p:sp>
-          <p:nvSpPr>
-            <p:cNvPr id="64" name="Shape 129">
-              <a:extLst>
-                <a:ext uri="{FF2B5EF4-FFF2-40B4-BE49-F238E27FC236}">
-                  <a16:creationId xmlns:a16="http://schemas.microsoft.com/office/drawing/2014/main" id="{B3FBC838-FACD-8A11-9F1B-7E6121C6C88C}"/>
-                </a:ext>
-              </a:extLst>
-            </p:cNvPr>
-            <p:cNvSpPr/>
-            <p:nvPr/>
-          </p:nvSpPr>
-          <p:spPr>
-            <a:xfrm>
-              <a:off x="2744905" y="4840025"/>
-              <a:ext cx="1086836" cy="410369"/>
-            </a:xfrm>
-            <a:prstGeom prst="rect">
-              <a:avLst/>
-            </a:prstGeom>
-            <a:noFill/>
-            <a:ln w="12700" cap="flat">
-              <a:noFill/>
-              <a:miter lim="400000"/>
-            </a:ln>
-            <a:effectLst/>
+          <a:prstGeom prst="roundRect">
+            <a:avLst>
+              <a:gd name="adj" fmla="val 29777"/>
+            </a:avLst>
+          </a:prstGeom>
+          <a:gradFill>
+            <a:gsLst>
+              <a:gs pos="0">
+                <a:srgbClr val="F5D328"/>
+              </a:gs>
+              <a:gs pos="100000">
+                <a:srgbClr val="C3971A"/>
+              </a:gs>
+            </a:gsLst>
+            <a:lin ang="5400000"/>
+          </a:gradFill>
+          <a:ln w="12700">
+            <a:miter lim="400000"/>
+          </a:ln>
+          <a:effectLst>
+            <a:outerShdw blurRad="38100" dist="25400" dir="5400000" rotWithShape="0">
+              <a:srgbClr val="000000">
+                <a:alpha val="50000"/>
+              </a:srgbClr>
+            </a:outerShdw>
+          </a:effectLst>
+        </p:spPr>
+        <p:txBody>
+          <a:bodyPr lIns="50800" tIns="50800" rIns="50800" bIns="50800" anchor="ctr"/>
+          <a:lstStyle/>
+          <a:p>
+            <a:pPr>
+              <a:defRPr sz="2400">
+                <a:solidFill>
+                  <a:srgbClr val="FFFFFF"/>
+                </a:solidFill>
+                <a:latin typeface="Helvetica Light"/>
+                <a:ea typeface="Helvetica Light"/>
+                <a:cs typeface="Helvetica Light"/>
+                <a:sym typeface="Helvetica Light"/>
+              </a:defRPr>
+            </a:pPr>
+            <a:endParaRPr sz="2400" dirty="0"/>
+          </a:p>
+        </p:txBody>
+      </p:sp>
+      <p:cxnSp>
+        <p:nvCxnSpPr>
+          <p:cNvPr id="19" name="Straight Connector 18">
             <a:extLst>
-              <a:ext uri="{C572A759-6A51-4108-AA02-DFA0A04FC94B}">
-                <ma14:wrappingTextBoxFlag xmlns="" xmlns:ma14="http://schemas.microsoft.com/office/mac/drawingml/2011/main" val="1"/>
+              <a:ext uri="{FF2B5EF4-FFF2-40B4-BE49-F238E27FC236}">
+                <a16:creationId xmlns:a16="http://schemas.microsoft.com/office/drawing/2014/main" id="{950A7840-E901-1642-66EB-8EDB00E61805}"/>
               </a:ext>
             </a:extLst>
-          </p:spPr>
-          <p:txBody>
-            <a:bodyPr wrap="none" lIns="50800" tIns="50800" rIns="50800" bIns="50800" numCol="1" anchor="ctr">
-              <a:spAutoFit/>
-            </a:bodyPr>
-            <a:lstStyle>
-              <a:lvl1pPr>
-                <a:defRPr sz="2000" b="1">
-                  <a:solidFill>
-                    <a:srgbClr val="FFFFFF"/>
-                  </a:solidFill>
-                </a:defRPr>
-              </a:lvl1pPr>
-            </a:lstStyle>
-            <a:p>
-              <a:r>
-                <a:rPr lang="ro-RO" dirty="0" err="1"/>
-                <a:t>Payload</a:t>
-              </a:r>
-              <a:endParaRPr lang="ro-RO" dirty="0"/>
-            </a:p>
-          </p:txBody>
-        </p:sp>
-      </p:grpSp>
+          </p:cNvPr>
+          <p:cNvCxnSpPr>
+            <a:stCxn id="7" idx="1"/>
+            <a:endCxn id="7" idx="3"/>
+          </p:cNvCxnSpPr>
+          <p:nvPr/>
+        </p:nvCxnSpPr>
+        <p:spPr>
+          <a:xfrm>
+            <a:off x="1965391" y="2900619"/>
+            <a:ext cx="2645869" cy="0"/>
+          </a:xfrm>
+          <a:prstGeom prst="line">
+            <a:avLst/>
+          </a:prstGeom>
+          <a:noFill/>
+          <a:ln w="12700" cap="flat">
+            <a:solidFill>
+              <a:schemeClr val="tx1"/>
+            </a:solidFill>
+            <a:prstDash val="solid"/>
+            <a:round/>
+          </a:ln>
+          <a:effectLst>
+            <a:outerShdw blurRad="38100" dist="25400" dir="5400000" rotWithShape="0">
+              <a:srgbClr val="000000">
+                <a:alpha val="50000"/>
+              </a:srgbClr>
+            </a:outerShdw>
+          </a:effectLst>
+          <a:sp3d/>
+        </p:spPr>
+        <p:style>
+          <a:lnRef idx="0">
+            <a:scrgbClr r="0" g="0" b="0"/>
+          </a:lnRef>
+          <a:fillRef idx="0">
+            <a:scrgbClr r="0" g="0" b="0"/>
+          </a:fillRef>
+          <a:effectRef idx="0">
+            <a:scrgbClr r="0" g="0" b="0"/>
+          </a:effectRef>
+          <a:fontRef idx="none"/>
+        </p:style>
+      </p:cxnSp>
+      <p:cxnSp>
+        <p:nvCxnSpPr>
+          <p:cNvPr id="21" name="Straight Connector 20">
+            <a:extLst>
+              <a:ext uri="{FF2B5EF4-FFF2-40B4-BE49-F238E27FC236}">
+                <a16:creationId xmlns:a16="http://schemas.microsoft.com/office/drawing/2014/main" id="{7511E8C1-42C4-FABF-178D-02705AA20C07}"/>
+              </a:ext>
+            </a:extLst>
+          </p:cNvPr>
+          <p:cNvCxnSpPr>
+            <a:cxnSpLocks/>
+            <a:stCxn id="7" idx="0"/>
+          </p:cNvCxnSpPr>
+          <p:nvPr/>
+        </p:nvCxnSpPr>
+        <p:spPr>
+          <a:xfrm>
+            <a:off x="3288326" y="2453640"/>
+            <a:ext cx="0" cy="457077"/>
+          </a:xfrm>
+          <a:prstGeom prst="line">
+            <a:avLst/>
+          </a:prstGeom>
+          <a:noFill/>
+          <a:ln w="12700" cap="flat">
+            <a:solidFill>
+              <a:schemeClr val="tx1"/>
+            </a:solidFill>
+            <a:prstDash val="solid"/>
+            <a:round/>
+          </a:ln>
+          <a:effectLst>
+            <a:outerShdw blurRad="38100" dist="25400" dir="5400000" rotWithShape="0">
+              <a:srgbClr val="000000">
+                <a:alpha val="50000"/>
+              </a:srgbClr>
+            </a:outerShdw>
+          </a:effectLst>
+          <a:sp3d/>
+        </p:spPr>
+        <p:style>
+          <a:lnRef idx="0">
+            <a:scrgbClr r="0" g="0" b="0"/>
+          </a:lnRef>
+          <a:fillRef idx="0">
+            <a:scrgbClr r="0" g="0" b="0"/>
+          </a:fillRef>
+          <a:effectRef idx="0">
+            <a:scrgbClr r="0" g="0" b="0"/>
+          </a:effectRef>
+          <a:fontRef idx="none"/>
+        </p:style>
+      </p:cxnSp>
+      <p:sp>
+        <p:nvSpPr>
+          <p:cNvPr id="26" name="Shape 165">
+            <a:extLst>
+              <a:ext uri="{FF2B5EF4-FFF2-40B4-BE49-F238E27FC236}">
+                <a16:creationId xmlns:a16="http://schemas.microsoft.com/office/drawing/2014/main" id="{49145C8C-6EC8-3B41-3B21-3E3D543BB7A7}"/>
+              </a:ext>
+            </a:extLst>
+          </p:cNvPr>
+          <p:cNvSpPr/>
+          <p:nvPr/>
+        </p:nvSpPr>
+        <p:spPr>
+          <a:xfrm>
+            <a:off x="1965391" y="4390658"/>
+            <a:ext cx="2645869" cy="1270011"/>
+          </a:xfrm>
+          <a:prstGeom prst="roundRect">
+            <a:avLst>
+              <a:gd name="adj" fmla="val 15000"/>
+            </a:avLst>
+          </a:prstGeom>
+          <a:gradFill flip="none" rotWithShape="1">
+            <a:gsLst>
+              <a:gs pos="0">
+                <a:srgbClr val="51A8F9"/>
+              </a:gs>
+              <a:gs pos="100000">
+                <a:schemeClr val="accent1"/>
+              </a:gs>
+            </a:gsLst>
+            <a:lin ang="5400000" scaled="0"/>
+          </a:gradFill>
+          <a:ln w="12700" cap="flat">
+            <a:noFill/>
+            <a:miter lim="400000"/>
+          </a:ln>
+          <a:effectLst>
+            <a:outerShdw blurRad="38100" dist="25400" dir="5400000" rotWithShape="0">
+              <a:srgbClr val="000000">
+                <a:alpha val="50000"/>
+              </a:srgbClr>
+            </a:outerShdw>
+          </a:effectLst>
+        </p:spPr>
+        <p:txBody>
+          <a:bodyPr wrap="square" lIns="50800" tIns="50800" rIns="50800" bIns="50800" numCol="1" anchor="ctr">
+            <a:noAutofit/>
+          </a:bodyPr>
+          <a:lstStyle/>
+          <a:p>
+            <a:pPr>
+              <a:defRPr sz="2400">
+                <a:solidFill>
+                  <a:srgbClr val="FFFFFF"/>
+                </a:solidFill>
+                <a:latin typeface="Helvetica Light"/>
+                <a:ea typeface="Helvetica Light"/>
+                <a:cs typeface="Helvetica Light"/>
+                <a:sym typeface="Helvetica Light"/>
+              </a:defRPr>
+            </a:pPr>
+            <a:endParaRPr sz="2400"/>
+          </a:p>
+        </p:txBody>
+      </p:sp>
+      <p:cxnSp>
+        <p:nvCxnSpPr>
+          <p:cNvPr id="29" name="Straight Arrow Connector 28">
+            <a:extLst>
+              <a:ext uri="{FF2B5EF4-FFF2-40B4-BE49-F238E27FC236}">
+                <a16:creationId xmlns:a16="http://schemas.microsoft.com/office/drawing/2014/main" id="{E8BA23ED-4614-4539-F584-90ACB476609B}"/>
+              </a:ext>
+            </a:extLst>
+          </p:cNvPr>
+          <p:cNvCxnSpPr>
+            <a:cxnSpLocks/>
+            <a:endCxn id="26" idx="0"/>
+          </p:cNvCxnSpPr>
+          <p:nvPr/>
+        </p:nvCxnSpPr>
+        <p:spPr>
+          <a:xfrm>
+            <a:off x="3287042" y="3357181"/>
+            <a:ext cx="1284" cy="1033477"/>
+          </a:xfrm>
+          <a:prstGeom prst="straightConnector1">
+            <a:avLst/>
+          </a:prstGeom>
+          <a:noFill/>
+          <a:ln w="25400" cap="flat">
+            <a:solidFill>
+              <a:schemeClr val="accent1"/>
+            </a:solidFill>
+            <a:prstDash val="solid"/>
+            <a:round/>
+            <a:headEnd type="oval"/>
+            <a:tailEnd type="triangle"/>
+          </a:ln>
+          <a:effectLst>
+            <a:outerShdw blurRad="38100" dist="25400" dir="5400000" rotWithShape="0">
+              <a:srgbClr val="000000">
+                <a:alpha val="50000"/>
+              </a:srgbClr>
+            </a:outerShdw>
+          </a:effectLst>
+          <a:sp3d/>
+        </p:spPr>
+        <p:style>
+          <a:lnRef idx="0">
+            <a:scrgbClr r="0" g="0" b="0"/>
+          </a:lnRef>
+          <a:fillRef idx="0">
+            <a:scrgbClr r="0" g="0" b="0"/>
+          </a:fillRef>
+          <a:effectRef idx="0">
+            <a:scrgbClr r="0" g="0" b="0"/>
+          </a:effectRef>
+          <a:fontRef idx="none"/>
+        </p:style>
+      </p:cxnSp>
+      <p:cxnSp>
+        <p:nvCxnSpPr>
+          <p:cNvPr id="36" name="Straight Arrow Connector 35">
+            <a:extLst>
+              <a:ext uri="{FF2B5EF4-FFF2-40B4-BE49-F238E27FC236}">
+                <a16:creationId xmlns:a16="http://schemas.microsoft.com/office/drawing/2014/main" id="{043BD834-DE34-D2DD-5EB9-32B4529CED2F}"/>
+              </a:ext>
+            </a:extLst>
+          </p:cNvPr>
+          <p:cNvCxnSpPr/>
+          <p:nvPr/>
+        </p:nvCxnSpPr>
+        <p:spPr>
+          <a:xfrm>
+            <a:off x="4611260" y="2718535"/>
+            <a:ext cx="1310640" cy="0"/>
+          </a:xfrm>
+          <a:prstGeom prst="straightConnector1">
+            <a:avLst/>
+          </a:prstGeom>
+          <a:noFill/>
+          <a:ln w="38100" cap="flat">
+            <a:solidFill>
+              <a:schemeClr val="accent1"/>
+            </a:solidFill>
+            <a:prstDash val="solid"/>
+            <a:round/>
+            <a:headEnd type="triangle" w="lg" len="lg"/>
+            <a:tailEnd type="triangle" w="lg" len="lg"/>
+          </a:ln>
+          <a:effectLst>
+            <a:outerShdw blurRad="38100" dist="25400" dir="5400000" rotWithShape="0">
+              <a:srgbClr val="000000">
+                <a:alpha val="50000"/>
+              </a:srgbClr>
+            </a:outerShdw>
+          </a:effectLst>
+          <a:sp3d/>
+        </p:spPr>
+        <p:style>
+          <a:lnRef idx="0">
+            <a:scrgbClr r="0" g="0" b="0"/>
+          </a:lnRef>
+          <a:fillRef idx="0">
+            <a:scrgbClr r="0" g="0" b="0"/>
+          </a:fillRef>
+          <a:effectRef idx="0">
+            <a:scrgbClr r="0" g="0" b="0"/>
+          </a:effectRef>
+          <a:fontRef idx="none"/>
+        </p:style>
+      </p:cxnSp>
+      <p:sp>
+        <p:nvSpPr>
+          <p:cNvPr id="64" name="Shape 129">
+            <a:extLst>
+              <a:ext uri="{FF2B5EF4-FFF2-40B4-BE49-F238E27FC236}">
+                <a16:creationId xmlns:a16="http://schemas.microsoft.com/office/drawing/2014/main" id="{B3FBC838-FACD-8A11-9F1B-7E6121C6C88C}"/>
+              </a:ext>
+            </a:extLst>
+          </p:cNvPr>
+          <p:cNvSpPr/>
+          <p:nvPr/>
+        </p:nvSpPr>
+        <p:spPr>
+          <a:xfrm>
+            <a:off x="2744907" y="4840027"/>
+            <a:ext cx="1086836" cy="410369"/>
+          </a:xfrm>
+          <a:prstGeom prst="rect">
+            <a:avLst/>
+          </a:prstGeom>
+          <a:noFill/>
+          <a:ln w="12700" cap="flat">
+            <a:noFill/>
+            <a:miter lim="400000"/>
+          </a:ln>
+          <a:effectLst/>
+          <a:extLst>
+            <a:ext uri="{C572A759-6A51-4108-AA02-DFA0A04FC94B}">
+              <ma14:wrappingTextBoxFlag xmlns="" xmlns:ma14="http://schemas.microsoft.com/office/mac/drawingml/2011/main" val="1"/>
+            </a:ext>
+          </a:extLst>
+        </p:spPr>
+        <p:txBody>
+          <a:bodyPr wrap="none" lIns="50800" tIns="50800" rIns="50800" bIns="50800" numCol="1" anchor="ctr">
+            <a:spAutoFit/>
+          </a:bodyPr>
+          <a:lstStyle>
+            <a:lvl1pPr>
+              <a:defRPr sz="2000" b="1">
+                <a:solidFill>
+                  <a:srgbClr val="FFFFFF"/>
+                </a:solidFill>
+              </a:defRPr>
+            </a:lvl1pPr>
+          </a:lstStyle>
+          <a:p>
+            <a:r>
+              <a:rPr lang="ro-RO" dirty="0" err="1"/>
+              <a:t>Payload</a:t>
+            </a:r>
+            <a:endParaRPr lang="ro-RO" dirty="0"/>
+          </a:p>
+        </p:txBody>
+      </p:sp>
       <p:sp>
         <p:nvSpPr>
           <p:cNvPr id="79" name="TextBox 78">
@@ -3637,8 +3616,8 @@
         </p:nvSpPr>
         <p:spPr>
           <a:xfrm>
-            <a:off x="2485683" y="2017437"/>
-            <a:ext cx="1605280" cy="410351"/>
+            <a:off x="2484402" y="1915964"/>
+            <a:ext cx="1605280" cy="523220"/>
           </a:xfrm>
           <a:prstGeom prst="rect">
             <a:avLst/>
@@ -3670,10 +3649,26 @@
           <a:lstStyle/>
           <a:p>
             <a:r>
-              <a:rPr lang="en-GB" sz="2000" b="1" dirty="0"/>
+              <a:rPr lang="en-GB" sz="2800" b="1" dirty="0">
+                <a:ln w="3175">
+                  <a:solidFill>
+                    <a:schemeClr val="bg1">
+                      <a:lumMod val="85000"/>
+                    </a:schemeClr>
+                  </a:solidFill>
+                </a:ln>
+              </a:rPr>
               <a:t>Head</a:t>
             </a:r>
-            <a:endParaRPr lang="en-RO" sz="2000" b="1" dirty="0"/>
+            <a:endParaRPr lang="en-RO" sz="2800" b="1" dirty="0">
+              <a:ln w="3175">
+                <a:solidFill>
+                  <a:schemeClr val="bg1">
+                    <a:lumMod val="85000"/>
+                  </a:schemeClr>
+                </a:solidFill>
+              </a:ln>
+            </a:endParaRPr>
           </a:p>
         </p:txBody>
       </p:sp>
@@ -3691,8 +3686,8 @@
         </p:nvGrpSpPr>
         <p:grpSpPr>
           <a:xfrm>
-            <a:off x="6157666" y="3154492"/>
-            <a:ext cx="869467" cy="202689"/>
+            <a:off x="6156221" y="2939643"/>
+            <a:ext cx="869467" cy="165146"/>
             <a:chOff x="6157667" y="3509475"/>
             <a:chExt cx="869467" cy="923290"/>
           </a:xfrm>
@@ -3881,39 +3876,99 @@
           </p:txBody>
         </p:sp>
       </p:grpSp>
+      <p:sp>
+        <p:nvSpPr>
+          <p:cNvPr id="99" name="Shape 145">
+            <a:extLst>
+              <a:ext uri="{FF2B5EF4-FFF2-40B4-BE49-F238E27FC236}">
+                <a16:creationId xmlns:a16="http://schemas.microsoft.com/office/drawing/2014/main" id="{792C8453-0543-919D-C728-0F43AA6E15EB}"/>
+              </a:ext>
+            </a:extLst>
+          </p:cNvPr>
+          <p:cNvSpPr/>
+          <p:nvPr/>
+        </p:nvSpPr>
+        <p:spPr>
+          <a:xfrm>
+            <a:off x="8570653" y="2465671"/>
+            <a:ext cx="2645869" cy="893958"/>
+          </a:xfrm>
+          <a:prstGeom prst="roundRect">
+            <a:avLst>
+              <a:gd name="adj" fmla="val 29777"/>
+            </a:avLst>
+          </a:prstGeom>
+          <a:gradFill>
+            <a:gsLst>
+              <a:gs pos="0">
+                <a:srgbClr val="F5D328"/>
+              </a:gs>
+              <a:gs pos="100000">
+                <a:srgbClr val="C3971A"/>
+              </a:gs>
+            </a:gsLst>
+            <a:lin ang="5400000"/>
+          </a:gradFill>
+          <a:ln w="12700">
+            <a:miter lim="400000"/>
+          </a:ln>
+          <a:effectLst>
+            <a:outerShdw blurRad="38100" dist="25400" dir="5400000" rotWithShape="0">
+              <a:srgbClr val="000000">
+                <a:alpha val="50000"/>
+              </a:srgbClr>
+            </a:outerShdw>
+          </a:effectLst>
+        </p:spPr>
+        <p:txBody>
+          <a:bodyPr lIns="50800" tIns="50800" rIns="50800" bIns="50800" anchor="ctr"/>
+          <a:lstStyle/>
+          <a:p>
+            <a:pPr>
+              <a:defRPr sz="2400">
+                <a:solidFill>
+                  <a:srgbClr val="FFFFFF"/>
+                </a:solidFill>
+                <a:latin typeface="Helvetica Light"/>
+                <a:ea typeface="Helvetica Light"/>
+                <a:cs typeface="Helvetica Light"/>
+                <a:sym typeface="Helvetica Light"/>
+              </a:defRPr>
+            </a:pPr>
+            <a:endParaRPr sz="2400"/>
+          </a:p>
+        </p:txBody>
+      </p:sp>
       <p:cxnSp>
         <p:nvCxnSpPr>
-          <p:cNvPr id="39" name="Curved Connector 38">
+          <p:cNvPr id="100" name="Straight Connector 99">
             <a:extLst>
               <a:ext uri="{FF2B5EF4-FFF2-40B4-BE49-F238E27FC236}">
-                <a16:creationId xmlns:a16="http://schemas.microsoft.com/office/drawing/2014/main" id="{51F1BD0E-A1ED-67D8-9C18-032D172D600C}"/>
+                <a16:creationId xmlns:a16="http://schemas.microsoft.com/office/drawing/2014/main" id="{84269F55-5481-EA1A-AC54-C6F3B7DF019E}"/>
               </a:ext>
             </a:extLst>
           </p:cNvPr>
           <p:cNvCxnSpPr>
-            <a:cxnSpLocks/>
+            <a:stCxn id="99" idx="1"/>
+            <a:endCxn id="99" idx="3"/>
           </p:cNvCxnSpPr>
           <p:nvPr/>
         </p:nvCxnSpPr>
         <p:spPr>
-          <a:xfrm rot="10800000" flipV="1">
-            <a:off x="2708652" y="1131497"/>
-            <a:ext cx="3304775" cy="1576015"/>
+          <a:xfrm>
+            <a:off x="8570653" y="2912650"/>
+            <a:ext cx="2645869" cy="0"/>
           </a:xfrm>
-          <a:prstGeom prst="curvedConnector3">
-            <a:avLst>
-              <a:gd name="adj1" fmla="val 100727"/>
-            </a:avLst>
+          <a:prstGeom prst="line">
+            <a:avLst/>
           </a:prstGeom>
           <a:noFill/>
-          <a:ln w="38100" cap="sq">
+          <a:ln w="12700" cap="flat">
             <a:solidFill>
               <a:schemeClr val="accent1"/>
             </a:solidFill>
             <a:prstDash val="solid"/>
             <a:round/>
-            <a:headEnd type="triangle" w="lg" len="lg"/>
-            <a:tailEnd type="triangle" w="lg" len="lg"/>
           </a:ln>
           <a:effectLst>
             <a:outerShdw blurRad="38100" dist="25400" dir="5400000" rotWithShape="0">
@@ -3937,446 +3992,200 @@
           <a:fontRef idx="none"/>
         </p:style>
       </p:cxnSp>
-      <p:grpSp>
-        <p:nvGrpSpPr>
-          <p:cNvPr id="106" name="Group 105">
+      <p:cxnSp>
+        <p:nvCxnSpPr>
+          <p:cNvPr id="101" name="Straight Connector 100">
             <a:extLst>
               <a:ext uri="{FF2B5EF4-FFF2-40B4-BE49-F238E27FC236}">
-                <a16:creationId xmlns:a16="http://schemas.microsoft.com/office/drawing/2014/main" id="{F2C43ED0-48C6-D11C-CD5A-89631BF58A0F}"/>
-              </a:ext>
-            </a:extLst>
-          </p:cNvPr>
-          <p:cNvGrpSpPr/>
-          <p:nvPr/>
-        </p:nvGrpSpPr>
-        <p:grpSpPr>
-          <a:xfrm>
-            <a:off x="7915335" y="2453640"/>
-            <a:ext cx="3301189" cy="3207029"/>
-            <a:chOff x="8038884" y="2453638"/>
-            <a:chExt cx="3301189" cy="3207029"/>
-          </a:xfrm>
-        </p:grpSpPr>
-        <p:sp>
-          <p:nvSpPr>
-            <p:cNvPr id="99" name="Shape 145">
-              <a:extLst>
-                <a:ext uri="{FF2B5EF4-FFF2-40B4-BE49-F238E27FC236}">
-                  <a16:creationId xmlns:a16="http://schemas.microsoft.com/office/drawing/2014/main" id="{792C8453-0543-919D-C728-0F43AA6E15EB}"/>
-                </a:ext>
-              </a:extLst>
-            </p:cNvPr>
-            <p:cNvSpPr/>
-            <p:nvPr/>
-          </p:nvSpPr>
-          <p:spPr>
-            <a:xfrm>
-              <a:off x="8694204" y="2453638"/>
-              <a:ext cx="2645869" cy="893958"/>
-            </a:xfrm>
-            <a:prstGeom prst="roundRect">
-              <a:avLst>
-                <a:gd name="adj" fmla="val 29777"/>
-              </a:avLst>
-            </a:prstGeom>
-            <a:gradFill>
-              <a:gsLst>
-                <a:gs pos="0">
-                  <a:srgbClr val="F5D328"/>
-                </a:gs>
-                <a:gs pos="100000">
-                  <a:srgbClr val="C3971A"/>
-                </a:gs>
-              </a:gsLst>
-              <a:lin ang="5400000"/>
-            </a:gradFill>
-            <a:ln w="12700">
-              <a:miter lim="400000"/>
-            </a:ln>
-            <a:effectLst>
-              <a:outerShdw blurRad="38100" dist="25400" dir="5400000" rotWithShape="0">
-                <a:srgbClr val="000000">
-                  <a:alpha val="50000"/>
-                </a:srgbClr>
-              </a:outerShdw>
-            </a:effectLst>
-          </p:spPr>
-          <p:txBody>
-            <a:bodyPr lIns="50800" tIns="50800" rIns="50800" bIns="50800" anchor="ctr"/>
-            <a:lstStyle/>
-            <a:p>
-              <a:pPr>
-                <a:defRPr sz="2400">
-                  <a:solidFill>
-                    <a:srgbClr val="FFFFFF"/>
-                  </a:solidFill>
-                  <a:latin typeface="Helvetica Light"/>
-                  <a:ea typeface="Helvetica Light"/>
-                  <a:cs typeface="Helvetica Light"/>
-                  <a:sym typeface="Helvetica Light"/>
-                </a:defRPr>
-              </a:pPr>
-              <a:endParaRPr sz="2400"/>
-            </a:p>
-          </p:txBody>
-        </p:sp>
-        <p:cxnSp>
-          <p:nvCxnSpPr>
-            <p:cNvPr id="100" name="Straight Connector 99">
-              <a:extLst>
-                <a:ext uri="{FF2B5EF4-FFF2-40B4-BE49-F238E27FC236}">
-                  <a16:creationId xmlns:a16="http://schemas.microsoft.com/office/drawing/2014/main" id="{84269F55-5481-EA1A-AC54-C6F3B7DF019E}"/>
-                </a:ext>
-              </a:extLst>
-            </p:cNvPr>
-            <p:cNvCxnSpPr>
-              <a:stCxn id="99" idx="1"/>
-              <a:endCxn id="99" idx="3"/>
-            </p:cNvCxnSpPr>
-            <p:nvPr/>
-          </p:nvCxnSpPr>
-          <p:spPr>
-            <a:xfrm>
-              <a:off x="8694204" y="2900617"/>
-              <a:ext cx="2645869" cy="0"/>
-            </a:xfrm>
-            <a:prstGeom prst="line">
-              <a:avLst/>
-            </a:prstGeom>
-            <a:noFill/>
-            <a:ln w="25400" cap="flat">
-              <a:solidFill>
-                <a:schemeClr val="accent1"/>
-              </a:solidFill>
-              <a:prstDash val="solid"/>
-              <a:round/>
-            </a:ln>
-            <a:effectLst>
-              <a:outerShdw blurRad="38100" dist="25400" dir="5400000" rotWithShape="0">
-                <a:srgbClr val="000000">
-                  <a:alpha val="50000"/>
-                </a:srgbClr>
-              </a:outerShdw>
-            </a:effectLst>
-            <a:sp3d/>
-          </p:spPr>
-          <p:style>
-            <a:lnRef idx="0">
-              <a:scrgbClr r="0" g="0" b="0"/>
-            </a:lnRef>
-            <a:fillRef idx="0">
-              <a:scrgbClr r="0" g="0" b="0"/>
-            </a:fillRef>
-            <a:effectRef idx="0">
-              <a:scrgbClr r="0" g="0" b="0"/>
-            </a:effectRef>
-            <a:fontRef idx="none"/>
-          </p:style>
-        </p:cxnSp>
-        <p:cxnSp>
-          <p:nvCxnSpPr>
-            <p:cNvPr id="101" name="Straight Connector 100">
-              <a:extLst>
-                <a:ext uri="{FF2B5EF4-FFF2-40B4-BE49-F238E27FC236}">
-                  <a16:creationId xmlns:a16="http://schemas.microsoft.com/office/drawing/2014/main" id="{29FAE27F-80C3-A8FE-D7B9-DA0E8FC415F0}"/>
-                </a:ext>
-              </a:extLst>
-            </p:cNvPr>
-            <p:cNvCxnSpPr>
-              <a:cxnSpLocks/>
-              <a:stCxn id="99" idx="0"/>
-            </p:cNvCxnSpPr>
-            <p:nvPr/>
-          </p:nvCxnSpPr>
-          <p:spPr>
-            <a:xfrm>
-              <a:off x="10017139" y="2453638"/>
-              <a:ext cx="0" cy="457077"/>
-            </a:xfrm>
-            <a:prstGeom prst="line">
-              <a:avLst/>
-            </a:prstGeom>
-            <a:noFill/>
-            <a:ln w="25400" cap="flat">
-              <a:solidFill>
-                <a:schemeClr val="accent1"/>
-              </a:solidFill>
-              <a:prstDash val="solid"/>
-              <a:round/>
-            </a:ln>
-            <a:effectLst>
-              <a:outerShdw blurRad="38100" dist="25400" dir="5400000" rotWithShape="0">
-                <a:srgbClr val="000000">
-                  <a:alpha val="50000"/>
-                </a:srgbClr>
-              </a:outerShdw>
-            </a:effectLst>
-            <a:sp3d/>
-          </p:spPr>
-          <p:style>
-            <a:lnRef idx="0">
-              <a:scrgbClr r="0" g="0" b="0"/>
-            </a:lnRef>
-            <a:fillRef idx="0">
-              <a:scrgbClr r="0" g="0" b="0"/>
-            </a:fillRef>
-            <a:effectRef idx="0">
-              <a:scrgbClr r="0" g="0" b="0"/>
-            </a:effectRef>
-            <a:fontRef idx="none"/>
-          </p:style>
-        </p:cxnSp>
-        <p:sp>
-          <p:nvSpPr>
-            <p:cNvPr id="102" name="Shape 165">
-              <a:extLst>
-                <a:ext uri="{FF2B5EF4-FFF2-40B4-BE49-F238E27FC236}">
-                  <a16:creationId xmlns:a16="http://schemas.microsoft.com/office/drawing/2014/main" id="{20BE942D-83A9-282A-C076-0DAC400FFDA9}"/>
-                </a:ext>
-              </a:extLst>
-            </p:cNvPr>
-            <p:cNvSpPr/>
-            <p:nvPr/>
-          </p:nvSpPr>
-          <p:spPr>
-            <a:xfrm>
-              <a:off x="8694204" y="4390656"/>
-              <a:ext cx="2645869" cy="1270011"/>
-            </a:xfrm>
-            <a:prstGeom prst="roundRect">
-              <a:avLst>
-                <a:gd name="adj" fmla="val 15000"/>
-              </a:avLst>
-            </a:prstGeom>
-            <a:gradFill flip="none" rotWithShape="1">
-              <a:gsLst>
-                <a:gs pos="0">
-                  <a:srgbClr val="51A8F9"/>
-                </a:gs>
-                <a:gs pos="100000">
-                  <a:schemeClr val="accent1"/>
-                </a:gs>
-              </a:gsLst>
-              <a:lin ang="5400000" scaled="0"/>
-            </a:gradFill>
-            <a:ln w="12700" cap="flat">
-              <a:noFill/>
-              <a:miter lim="400000"/>
-            </a:ln>
-            <a:effectLst>
-              <a:outerShdw blurRad="38100" dist="25400" dir="5400000" rotWithShape="0">
-                <a:srgbClr val="000000">
-                  <a:alpha val="50000"/>
-                </a:srgbClr>
-              </a:outerShdw>
-            </a:effectLst>
-          </p:spPr>
-          <p:txBody>
-            <a:bodyPr wrap="square" lIns="50800" tIns="50800" rIns="50800" bIns="50800" numCol="1" anchor="ctr">
-              <a:noAutofit/>
-            </a:bodyPr>
-            <a:lstStyle/>
-            <a:p>
-              <a:pPr>
-                <a:defRPr sz="2400">
-                  <a:solidFill>
-                    <a:srgbClr val="FFFFFF"/>
-                  </a:solidFill>
-                  <a:latin typeface="Helvetica Light"/>
-                  <a:ea typeface="Helvetica Light"/>
-                  <a:cs typeface="Helvetica Light"/>
-                  <a:sym typeface="Helvetica Light"/>
-                </a:defRPr>
-              </a:pPr>
-              <a:endParaRPr sz="2400"/>
-            </a:p>
-          </p:txBody>
-        </p:sp>
-        <p:cxnSp>
-          <p:nvCxnSpPr>
-            <p:cNvPr id="103" name="Straight Arrow Connector 102">
-              <a:extLst>
-                <a:ext uri="{FF2B5EF4-FFF2-40B4-BE49-F238E27FC236}">
-                  <a16:creationId xmlns:a16="http://schemas.microsoft.com/office/drawing/2014/main" id="{65C7C4FE-55DC-7839-A93E-CE5A8EB5B358}"/>
-                </a:ext>
-              </a:extLst>
-            </p:cNvPr>
-            <p:cNvCxnSpPr>
-              <a:cxnSpLocks/>
-              <a:endCxn id="102" idx="0"/>
-            </p:cNvCxnSpPr>
-            <p:nvPr/>
-          </p:nvCxnSpPr>
-          <p:spPr>
-            <a:xfrm>
-              <a:off x="10017139" y="3154491"/>
-              <a:ext cx="0" cy="1236165"/>
-            </a:xfrm>
-            <a:prstGeom prst="straightConnector1">
-              <a:avLst/>
-            </a:prstGeom>
-            <a:noFill/>
-            <a:ln w="25400" cap="flat">
-              <a:solidFill>
-                <a:schemeClr val="accent1"/>
-              </a:solidFill>
-              <a:prstDash val="solid"/>
-              <a:round/>
-              <a:headEnd type="oval"/>
-              <a:tailEnd type="triangle"/>
-            </a:ln>
-            <a:effectLst>
-              <a:outerShdw blurRad="38100" dist="25400" dir="5400000" rotWithShape="0">
-                <a:srgbClr val="000000">
-                  <a:alpha val="50000"/>
-                </a:srgbClr>
-              </a:outerShdw>
-            </a:effectLst>
-            <a:sp3d/>
-          </p:spPr>
-          <p:style>
-            <a:lnRef idx="0">
-              <a:scrgbClr r="0" g="0" b="0"/>
-            </a:lnRef>
-            <a:fillRef idx="0">
-              <a:scrgbClr r="0" g="0" b="0"/>
-            </a:fillRef>
-            <a:effectRef idx="0">
-              <a:scrgbClr r="0" g="0" b="0"/>
-            </a:effectRef>
-            <a:fontRef idx="none"/>
-          </p:style>
-        </p:cxnSp>
-        <p:cxnSp>
-          <p:nvCxnSpPr>
-            <p:cNvPr id="104" name="Straight Arrow Connector 103">
-              <a:extLst>
-                <a:ext uri="{FF2B5EF4-FFF2-40B4-BE49-F238E27FC236}">
-                  <a16:creationId xmlns:a16="http://schemas.microsoft.com/office/drawing/2014/main" id="{72AA0415-E3A1-88E9-406E-FB33BE5EB9F9}"/>
-                </a:ext>
-              </a:extLst>
-            </p:cNvPr>
-            <p:cNvCxnSpPr/>
-            <p:nvPr/>
-          </p:nvCxnSpPr>
-          <p:spPr>
-            <a:xfrm>
-              <a:off x="8038884" y="2697412"/>
-              <a:ext cx="1310640" cy="0"/>
-            </a:xfrm>
-            <a:prstGeom prst="straightConnector1">
-              <a:avLst/>
-            </a:prstGeom>
-            <a:noFill/>
-            <a:ln w="38100" cap="flat">
-              <a:solidFill>
-                <a:schemeClr val="accent1"/>
-              </a:solidFill>
-              <a:prstDash val="solid"/>
-              <a:round/>
-              <a:headEnd type="triangle" w="lg" len="lg"/>
-              <a:tailEnd type="triangle" w="lg" len="lg"/>
-            </a:ln>
-            <a:effectLst>
-              <a:outerShdw blurRad="38100" dist="25400" dir="5400000" rotWithShape="0">
-                <a:srgbClr val="000000">
-                  <a:alpha val="50000"/>
-                </a:srgbClr>
-              </a:outerShdw>
-            </a:effectLst>
-            <a:sp3d/>
-          </p:spPr>
-          <p:style>
-            <a:lnRef idx="0">
-              <a:scrgbClr r="0" g="0" b="0"/>
-            </a:lnRef>
-            <a:fillRef idx="0">
-              <a:scrgbClr r="0" g="0" b="0"/>
-            </a:fillRef>
-            <a:effectRef idx="0">
-              <a:scrgbClr r="0" g="0" b="0"/>
-            </a:effectRef>
-            <a:fontRef idx="none"/>
-          </p:style>
-        </p:cxnSp>
-        <p:sp>
-          <p:nvSpPr>
-            <p:cNvPr id="105" name="Shape 129">
-              <a:extLst>
-                <a:ext uri="{FF2B5EF4-FFF2-40B4-BE49-F238E27FC236}">
-                  <a16:creationId xmlns:a16="http://schemas.microsoft.com/office/drawing/2014/main" id="{6B125462-DF6A-22F1-8FC7-27EBF9501BFC}"/>
-                </a:ext>
-              </a:extLst>
-            </p:cNvPr>
-            <p:cNvSpPr/>
-            <p:nvPr/>
-          </p:nvSpPr>
-          <p:spPr>
-            <a:xfrm>
-              <a:off x="9473720" y="4840025"/>
-              <a:ext cx="1086836" cy="410369"/>
-            </a:xfrm>
-            <a:prstGeom prst="rect">
-              <a:avLst/>
-            </a:prstGeom>
-            <a:noFill/>
-            <a:ln w="12700" cap="flat">
-              <a:noFill/>
-              <a:miter lim="400000"/>
-            </a:ln>
-            <a:effectLst/>
-            <a:extLst>
-              <a:ext uri="{C572A759-6A51-4108-AA02-DFA0A04FC94B}">
-                <ma14:wrappingTextBoxFlag xmlns="" xmlns:ma14="http://schemas.microsoft.com/office/mac/drawingml/2011/main" val="1"/>
-              </a:ext>
-            </a:extLst>
-          </p:spPr>
-          <p:txBody>
-            <a:bodyPr wrap="none" lIns="50800" tIns="50800" rIns="50800" bIns="50800" numCol="1" anchor="ctr">
-              <a:spAutoFit/>
-            </a:bodyPr>
-            <a:lstStyle>
-              <a:lvl1pPr>
-                <a:defRPr sz="2000" b="1">
-                  <a:solidFill>
-                    <a:srgbClr val="FFFFFF"/>
-                  </a:solidFill>
-                </a:defRPr>
-              </a:lvl1pPr>
-            </a:lstStyle>
-            <a:p>
-              <a:r>
-                <a:rPr lang="ro-RO" dirty="0" err="1"/>
-                <a:t>Payload</a:t>
-              </a:r>
-              <a:endParaRPr lang="ro-RO" dirty="0"/>
-            </a:p>
-          </p:txBody>
-        </p:sp>
-      </p:grpSp>
-      <p:cxnSp>
-        <p:nvCxnSpPr>
-          <p:cNvPr id="52" name="Curved Connector 51">
-            <a:extLst>
-              <a:ext uri="{FF2B5EF4-FFF2-40B4-BE49-F238E27FC236}">
-                <a16:creationId xmlns:a16="http://schemas.microsoft.com/office/drawing/2014/main" id="{15C1D9FA-EE5B-ADB0-AAFC-BD09E7984A75}"/>
+                <a16:creationId xmlns:a16="http://schemas.microsoft.com/office/drawing/2014/main" id="{29FAE27F-80C3-A8FE-D7B9-DA0E8FC415F0}"/>
               </a:ext>
             </a:extLst>
           </p:cNvPr>
           <p:cNvCxnSpPr>
             <a:cxnSpLocks/>
+            <a:stCxn id="99" idx="0"/>
           </p:cNvCxnSpPr>
           <p:nvPr/>
         </p:nvCxnSpPr>
         <p:spPr>
-          <a:xfrm rot="10800000">
-            <a:off x="7220390" y="1131500"/>
-            <a:ext cx="3293973" cy="1576012"/>
+          <a:xfrm>
+            <a:off x="9893588" y="2465671"/>
+            <a:ext cx="0" cy="457077"/>
           </a:xfrm>
-          <a:prstGeom prst="curvedConnector3">
+          <a:prstGeom prst="line">
+            <a:avLst/>
+          </a:prstGeom>
+          <a:noFill/>
+          <a:ln w="12700" cap="flat">
+            <a:solidFill>
+              <a:schemeClr val="tx1"/>
+            </a:solidFill>
+            <a:prstDash val="solid"/>
+            <a:round/>
+          </a:ln>
+          <a:effectLst>
+            <a:outerShdw blurRad="38100" dist="25400" dir="5400000" rotWithShape="0">
+              <a:srgbClr val="000000">
+                <a:alpha val="50000"/>
+              </a:srgbClr>
+            </a:outerShdw>
+          </a:effectLst>
+          <a:sp3d/>
+        </p:spPr>
+        <p:style>
+          <a:lnRef idx="0">
+            <a:scrgbClr r="0" g="0" b="0"/>
+          </a:lnRef>
+          <a:fillRef idx="0">
+            <a:scrgbClr r="0" g="0" b="0"/>
+          </a:fillRef>
+          <a:effectRef idx="0">
+            <a:scrgbClr r="0" g="0" b="0"/>
+          </a:effectRef>
+          <a:fontRef idx="none"/>
+        </p:style>
+      </p:cxnSp>
+      <p:sp>
+        <p:nvSpPr>
+          <p:cNvPr id="102" name="Shape 165">
+            <a:extLst>
+              <a:ext uri="{FF2B5EF4-FFF2-40B4-BE49-F238E27FC236}">
+                <a16:creationId xmlns:a16="http://schemas.microsoft.com/office/drawing/2014/main" id="{20BE942D-83A9-282A-C076-0DAC400FFDA9}"/>
+              </a:ext>
+            </a:extLst>
+          </p:cNvPr>
+          <p:cNvSpPr/>
+          <p:nvPr/>
+        </p:nvSpPr>
+        <p:spPr>
+          <a:xfrm>
+            <a:off x="8570653" y="4390658"/>
+            <a:ext cx="2645869" cy="1270011"/>
+          </a:xfrm>
+          <a:prstGeom prst="roundRect">
             <a:avLst>
-              <a:gd name="adj1" fmla="val 649"/>
+              <a:gd name="adj" fmla="val 15000"/>
             </a:avLst>
+          </a:prstGeom>
+          <a:gradFill flip="none" rotWithShape="1">
+            <a:gsLst>
+              <a:gs pos="0">
+                <a:srgbClr val="51A8F9"/>
+              </a:gs>
+              <a:gs pos="100000">
+                <a:schemeClr val="accent1"/>
+              </a:gs>
+            </a:gsLst>
+            <a:lin ang="5400000" scaled="0"/>
+          </a:gradFill>
+          <a:ln w="12700" cap="flat">
+            <a:noFill/>
+            <a:miter lim="400000"/>
+          </a:ln>
+          <a:effectLst>
+            <a:outerShdw blurRad="38100" dist="25400" dir="5400000" rotWithShape="0">
+              <a:srgbClr val="000000">
+                <a:alpha val="50000"/>
+              </a:srgbClr>
+            </a:outerShdw>
+          </a:effectLst>
+        </p:spPr>
+        <p:txBody>
+          <a:bodyPr wrap="square" lIns="50800" tIns="50800" rIns="50800" bIns="50800" numCol="1" anchor="ctr">
+            <a:noAutofit/>
+          </a:bodyPr>
+          <a:lstStyle/>
+          <a:p>
+            <a:pPr>
+              <a:defRPr sz="2400">
+                <a:solidFill>
+                  <a:srgbClr val="FFFFFF"/>
+                </a:solidFill>
+                <a:latin typeface="Helvetica Light"/>
+                <a:ea typeface="Helvetica Light"/>
+                <a:cs typeface="Helvetica Light"/>
+                <a:sym typeface="Helvetica Light"/>
+              </a:defRPr>
+            </a:pPr>
+            <a:endParaRPr sz="2400"/>
+          </a:p>
+        </p:txBody>
+      </p:sp>
+      <p:cxnSp>
+        <p:nvCxnSpPr>
+          <p:cNvPr id="103" name="Straight Arrow Connector 102">
+            <a:extLst>
+              <a:ext uri="{FF2B5EF4-FFF2-40B4-BE49-F238E27FC236}">
+                <a16:creationId xmlns:a16="http://schemas.microsoft.com/office/drawing/2014/main" id="{65C7C4FE-55DC-7839-A93E-CE5A8EB5B358}"/>
+              </a:ext>
+            </a:extLst>
+          </p:cNvPr>
+          <p:cNvCxnSpPr>
+            <a:cxnSpLocks/>
+            <a:stCxn id="99" idx="2"/>
+            <a:endCxn id="102" idx="0"/>
+          </p:cNvCxnSpPr>
+          <p:nvPr/>
+        </p:nvCxnSpPr>
+        <p:spPr>
+          <a:xfrm>
+            <a:off x="9893588" y="3359629"/>
+            <a:ext cx="0" cy="1031029"/>
+          </a:xfrm>
+          <a:prstGeom prst="straightConnector1">
+            <a:avLst/>
+          </a:prstGeom>
+          <a:noFill/>
+          <a:ln w="25400" cap="flat">
+            <a:solidFill>
+              <a:schemeClr val="accent1"/>
+            </a:solidFill>
+            <a:prstDash val="solid"/>
+            <a:round/>
+            <a:headEnd type="oval"/>
+            <a:tailEnd type="triangle"/>
+          </a:ln>
+          <a:effectLst>
+            <a:outerShdw blurRad="38100" dist="25400" dir="5400000" rotWithShape="0">
+              <a:srgbClr val="000000">
+                <a:alpha val="50000"/>
+              </a:srgbClr>
+            </a:outerShdw>
+          </a:effectLst>
+          <a:sp3d/>
+        </p:spPr>
+        <p:style>
+          <a:lnRef idx="0">
+            <a:scrgbClr r="0" g="0" b="0"/>
+          </a:lnRef>
+          <a:fillRef idx="0">
+            <a:scrgbClr r="0" g="0" b="0"/>
+          </a:fillRef>
+          <a:effectRef idx="0">
+            <a:scrgbClr r="0" g="0" b="0"/>
+          </a:effectRef>
+          <a:fontRef idx="none"/>
+        </p:style>
+      </p:cxnSp>
+      <p:cxnSp>
+        <p:nvCxnSpPr>
+          <p:cNvPr id="104" name="Straight Arrow Connector 103">
+            <a:extLst>
+              <a:ext uri="{FF2B5EF4-FFF2-40B4-BE49-F238E27FC236}">
+                <a16:creationId xmlns:a16="http://schemas.microsoft.com/office/drawing/2014/main" id="{72AA0415-E3A1-88E9-406E-FB33BE5EB9F9}"/>
+              </a:ext>
+            </a:extLst>
+          </p:cNvPr>
+          <p:cNvCxnSpPr/>
+          <p:nvPr/>
+        </p:nvCxnSpPr>
+        <p:spPr>
+          <a:xfrm>
+            <a:off x="7260013" y="2718535"/>
+            <a:ext cx="1310640" cy="0"/>
+          </a:xfrm>
+          <a:prstGeom prst="straightConnector1">
+            <a:avLst/>
           </a:prstGeom>
           <a:noFill/>
           <a:ln w="38100" cap="flat">
@@ -4412,6 +4221,60 @@
       </p:cxnSp>
       <p:sp>
         <p:nvSpPr>
+          <p:cNvPr id="105" name="Shape 129">
+            <a:extLst>
+              <a:ext uri="{FF2B5EF4-FFF2-40B4-BE49-F238E27FC236}">
+                <a16:creationId xmlns:a16="http://schemas.microsoft.com/office/drawing/2014/main" id="{6B125462-DF6A-22F1-8FC7-27EBF9501BFC}"/>
+              </a:ext>
+            </a:extLst>
+          </p:cNvPr>
+          <p:cNvSpPr/>
+          <p:nvPr/>
+        </p:nvSpPr>
+        <p:spPr>
+          <a:xfrm>
+            <a:off x="9350169" y="4820478"/>
+            <a:ext cx="1086836" cy="410369"/>
+          </a:xfrm>
+          <a:prstGeom prst="rect">
+            <a:avLst/>
+          </a:prstGeom>
+          <a:noFill/>
+          <a:ln w="12700" cap="flat">
+            <a:noFill/>
+            <a:miter lim="400000"/>
+          </a:ln>
+          <a:effectLst/>
+          <a:extLst>
+            <a:ext uri="{C572A759-6A51-4108-AA02-DFA0A04FC94B}">
+              <ma14:wrappingTextBoxFlag xmlns="" xmlns:ma14="http://schemas.microsoft.com/office/mac/drawingml/2011/main" val="1"/>
+            </a:ext>
+          </a:extLst>
+        </p:spPr>
+        <p:txBody>
+          <a:bodyPr wrap="none" lIns="50800" tIns="50800" rIns="50800" bIns="50800" numCol="1" anchor="ctr">
+            <a:spAutoFit/>
+          </a:bodyPr>
+          <a:lstStyle>
+            <a:lvl1pPr>
+              <a:defRPr sz="2000" b="1">
+                <a:solidFill>
+                  <a:srgbClr val="FFFFFF"/>
+                </a:solidFill>
+              </a:defRPr>
+            </a:lvl1pPr>
+          </a:lstStyle>
+          <a:p>
+            <a:r>
+              <a:rPr lang="ro-RO" dirty="0" err="1"/>
+              <a:t>Payload</a:t>
+            </a:r>
+            <a:endParaRPr lang="ro-RO" dirty="0"/>
+          </a:p>
+        </p:txBody>
+      </p:sp>
+      <p:sp>
+        <p:nvSpPr>
           <p:cNvPr id="115" name="TextBox 114">
             <a:extLst>
               <a:ext uri="{FF2B5EF4-FFF2-40B4-BE49-F238E27FC236}">
@@ -4424,8 +4287,8 @@
         </p:nvSpPr>
         <p:spPr>
           <a:xfrm>
-            <a:off x="9090947" y="2004688"/>
-            <a:ext cx="1605280" cy="410351"/>
+            <a:off x="9090947" y="1904331"/>
+            <a:ext cx="1605280" cy="523220"/>
           </a:xfrm>
           <a:prstGeom prst="rect">
             <a:avLst/>
@@ -4457,10 +4320,26 @@
           <a:lstStyle/>
           <a:p>
             <a:r>
-              <a:rPr lang="en-GB" sz="2000" b="1" dirty="0"/>
+              <a:rPr lang="en-GB" sz="2800" b="1" dirty="0">
+                <a:ln w="3175">
+                  <a:solidFill>
+                    <a:schemeClr val="bg1">
+                      <a:lumMod val="85000"/>
+                    </a:schemeClr>
+                  </a:solidFill>
+                </a:ln>
+              </a:rPr>
               <a:t>Tail</a:t>
             </a:r>
-            <a:endParaRPr lang="en-RO" sz="2000" b="1" dirty="0"/>
+            <a:endParaRPr lang="en-RO" sz="2800" b="1" dirty="0">
+              <a:ln w="3175">
+                <a:solidFill>
+                  <a:schemeClr val="bg1">
+                    <a:lumMod val="85000"/>
+                  </a:schemeClr>
+                </a:solidFill>
+              </a:ln>
+            </a:endParaRPr>
           </a:p>
         </p:txBody>
       </p:sp>
@@ -4478,8 +4357,8 @@
         </p:nvSpPr>
         <p:spPr>
           <a:xfrm>
-            <a:off x="5789758" y="491411"/>
-            <a:ext cx="1605280" cy="410351"/>
+            <a:off x="5698313" y="357015"/>
+            <a:ext cx="1605280" cy="523220"/>
           </a:xfrm>
           <a:prstGeom prst="rect">
             <a:avLst/>
@@ -4511,13 +4390,143 @@
           <a:lstStyle/>
           <a:p>
             <a:r>
-              <a:rPr lang="en-GB" sz="2000" b="1" dirty="0"/>
+              <a:rPr lang="en-GB" sz="2800" b="1" dirty="0">
+                <a:ln w="3175">
+                  <a:solidFill>
+                    <a:schemeClr val="bg1">
+                      <a:lumMod val="85000"/>
+                    </a:schemeClr>
+                  </a:solidFill>
+                </a:ln>
+              </a:rPr>
               <a:t>List</a:t>
             </a:r>
-            <a:endParaRPr lang="en-RO" sz="2000" b="1" dirty="0"/>
+            <a:endParaRPr lang="en-RO" sz="2800" b="1" dirty="0">
+              <a:ln w="3175">
+                <a:solidFill>
+                  <a:schemeClr val="bg1">
+                    <a:lumMod val="85000"/>
+                  </a:schemeClr>
+                </a:solidFill>
+              </a:ln>
+            </a:endParaRPr>
           </a:p>
         </p:txBody>
       </p:sp>
+      <p:cxnSp>
+        <p:nvCxnSpPr>
+          <p:cNvPr id="8" name="Elbow Connector 7">
+            <a:extLst>
+              <a:ext uri="{FF2B5EF4-FFF2-40B4-BE49-F238E27FC236}">
+                <a16:creationId xmlns:a16="http://schemas.microsoft.com/office/drawing/2014/main" id="{30F24ADB-41A6-9399-F456-E5FD559F76C7}"/>
+              </a:ext>
+            </a:extLst>
+          </p:cNvPr>
+          <p:cNvCxnSpPr>
+            <a:cxnSpLocks/>
+            <a:stCxn id="6" idx="1"/>
+          </p:cNvCxnSpPr>
+          <p:nvPr/>
+        </p:nvCxnSpPr>
+        <p:spPr>
+          <a:xfrm rot="10800000" flipV="1">
+            <a:off x="1965391" y="1146546"/>
+            <a:ext cx="3270006" cy="1535627"/>
+          </a:xfrm>
+          <a:prstGeom prst="bentConnector3">
+            <a:avLst>
+              <a:gd name="adj1" fmla="val 118160"/>
+            </a:avLst>
+          </a:prstGeom>
+          <a:noFill/>
+          <a:ln w="38100" cap="flat">
+            <a:solidFill>
+              <a:schemeClr val="accent1"/>
+            </a:solidFill>
+            <a:prstDash val="solid"/>
+            <a:round/>
+            <a:headEnd type="triangle" w="lg" len="lg"/>
+            <a:tailEnd type="triangle" w="lg" len="lg"/>
+          </a:ln>
+          <a:effectLst>
+            <a:outerShdw blurRad="38100" dist="25400" dir="5400000" rotWithShape="0">
+              <a:srgbClr val="000000">
+                <a:alpha val="50000"/>
+              </a:srgbClr>
+            </a:outerShdw>
+          </a:effectLst>
+          <a:sp3d/>
+        </p:spPr>
+        <p:style>
+          <a:lnRef idx="0">
+            <a:scrgbClr r="0" g="0" b="0"/>
+          </a:lnRef>
+          <a:fillRef idx="0">
+            <a:scrgbClr r="0" g="0" b="0"/>
+          </a:fillRef>
+          <a:effectRef idx="0">
+            <a:scrgbClr r="0" g="0" b="0"/>
+          </a:effectRef>
+          <a:fontRef idx="none"/>
+        </p:style>
+      </p:cxnSp>
+      <p:cxnSp>
+        <p:nvCxnSpPr>
+          <p:cNvPr id="12" name="Elbow Connector 11">
+            <a:extLst>
+              <a:ext uri="{FF2B5EF4-FFF2-40B4-BE49-F238E27FC236}">
+                <a16:creationId xmlns:a16="http://schemas.microsoft.com/office/drawing/2014/main" id="{2B05687C-FA9A-2352-7483-DF73B0BFF094}"/>
+              </a:ext>
+            </a:extLst>
+          </p:cNvPr>
+          <p:cNvCxnSpPr>
+            <a:cxnSpLocks/>
+            <a:stCxn id="6" idx="3"/>
+          </p:cNvCxnSpPr>
+          <p:nvPr/>
+        </p:nvCxnSpPr>
+        <p:spPr>
+          <a:xfrm>
+            <a:off x="7881266" y="1146547"/>
+            <a:ext cx="3313482" cy="1550854"/>
+          </a:xfrm>
+          <a:prstGeom prst="bentConnector3">
+            <a:avLst>
+              <a:gd name="adj1" fmla="val 117697"/>
+            </a:avLst>
+          </a:prstGeom>
+          <a:noFill/>
+          <a:ln w="38100" cap="flat">
+            <a:solidFill>
+              <a:schemeClr val="accent1"/>
+            </a:solidFill>
+            <a:prstDash val="solid"/>
+            <a:round/>
+            <a:headEnd type="triangle" w="lg" len="lg"/>
+            <a:tailEnd type="triangle" w="lg" len="lg"/>
+          </a:ln>
+          <a:effectLst>
+            <a:outerShdw blurRad="38100" dist="25400" dir="5400000" rotWithShape="0">
+              <a:srgbClr val="000000">
+                <a:alpha val="50000"/>
+              </a:srgbClr>
+            </a:outerShdw>
+          </a:effectLst>
+          <a:sp3d/>
+        </p:spPr>
+        <p:style>
+          <a:lnRef idx="0">
+            <a:scrgbClr r="0" g="0" b="0"/>
+          </a:lnRef>
+          <a:fillRef idx="0">
+            <a:scrgbClr r="0" g="0" b="0"/>
+          </a:fillRef>
+          <a:effectRef idx="0">
+            <a:scrgbClr r="0" g="0" b="0"/>
+          </a:effectRef>
+          <a:fontRef idx="none"/>
+        </p:style>
+      </p:cxnSp>
     </p:spTree>
     <p:extLst>
       <p:ext uri="{BB962C8B-B14F-4D97-AF65-F5344CB8AC3E}">
@@ -4637,9 +4646,9 @@
             <a:avLst/>
           </a:prstGeom>
           <a:noFill/>
-          <a:ln w="25400" cap="flat">
-            <a:solidFill>
-              <a:schemeClr val="accent1"/>
+          <a:ln w="12700" cap="flat">
+            <a:solidFill>
+              <a:schemeClr val="tx1"/>
             </a:solidFill>
             <a:prstDash val="solid"/>
             <a:round/>
@@ -4680,8 +4689,8 @@
         </p:nvGrpSpPr>
         <p:grpSpPr>
           <a:xfrm>
-            <a:off x="6157666" y="5699760"/>
-            <a:ext cx="869467" cy="187772"/>
+            <a:off x="6157664" y="5285036"/>
+            <a:ext cx="869467" cy="155805"/>
             <a:chOff x="6157667" y="3509475"/>
             <a:chExt cx="869467" cy="923290"/>
           </a:xfrm>
@@ -4884,8 +4893,8 @@
         </p:nvSpPr>
         <p:spPr>
           <a:xfrm>
-            <a:off x="2485683" y="2627074"/>
-            <a:ext cx="1605280" cy="410351"/>
+            <a:off x="2498049" y="2342402"/>
+            <a:ext cx="1605280" cy="523220"/>
           </a:xfrm>
           <a:prstGeom prst="rect">
             <a:avLst/>
@@ -4917,127 +4926,29 @@
           <a:lstStyle/>
           <a:p>
             <a:r>
-              <a:rPr lang="en-GB" sz="2000" b="1" dirty="0"/>
+              <a:rPr lang="en-GB" sz="2800" b="1" dirty="0">
+                <a:ln w="3175">
+                  <a:solidFill>
+                    <a:schemeClr val="bg1">
+                      <a:lumMod val="85000"/>
+                    </a:schemeClr>
+                  </a:solidFill>
+                </a:ln>
+              </a:rPr>
               <a:t>Head</a:t>
             </a:r>
-            <a:endParaRPr lang="en-RO" sz="2000" b="1" dirty="0"/>
+            <a:endParaRPr lang="en-RO" sz="2800" b="1" dirty="0">
+              <a:ln w="3175">
+                <a:solidFill>
+                  <a:schemeClr val="bg1">
+                    <a:lumMod val="85000"/>
+                  </a:schemeClr>
+                </a:solidFill>
+              </a:ln>
+            </a:endParaRPr>
           </a:p>
         </p:txBody>
       </p:sp>
-      <p:cxnSp>
-        <p:nvCxnSpPr>
-          <p:cNvPr id="39" name="Curved Connector 38">
-            <a:extLst>
-              <a:ext uri="{FF2B5EF4-FFF2-40B4-BE49-F238E27FC236}">
-                <a16:creationId xmlns:a16="http://schemas.microsoft.com/office/drawing/2014/main" id="{51F1BD0E-A1ED-67D8-9C18-032D172D600C}"/>
-              </a:ext>
-            </a:extLst>
-          </p:cNvPr>
-          <p:cNvCxnSpPr>
-            <a:cxnSpLocks/>
-            <a:endCxn id="2" idx="1"/>
-          </p:cNvCxnSpPr>
-          <p:nvPr/>
-        </p:nvCxnSpPr>
-        <p:spPr>
-          <a:xfrm rot="10800000" flipV="1">
-            <a:off x="1965390" y="1131499"/>
-            <a:ext cx="3999019" cy="3588501"/>
-          </a:xfrm>
-          <a:prstGeom prst="curvedConnector3">
-            <a:avLst>
-              <a:gd name="adj1" fmla="val 115370"/>
-            </a:avLst>
-          </a:prstGeom>
-          <a:noFill/>
-          <a:ln w="38100" cap="sq">
-            <a:solidFill>
-              <a:schemeClr val="accent1"/>
-            </a:solidFill>
-            <a:prstDash val="solid"/>
-            <a:round/>
-            <a:headEnd type="triangle" w="lg" len="lg"/>
-            <a:tailEnd type="triangle" w="lg" len="lg"/>
-          </a:ln>
-          <a:effectLst>
-            <a:outerShdw blurRad="38100" dist="25400" dir="5400000" rotWithShape="0">
-              <a:srgbClr val="000000">
-                <a:alpha val="50000"/>
-              </a:srgbClr>
-            </a:outerShdw>
-          </a:effectLst>
-          <a:sp3d/>
-        </p:spPr>
-        <p:style>
-          <a:lnRef idx="0">
-            <a:scrgbClr r="0" g="0" b="0"/>
-          </a:lnRef>
-          <a:fillRef idx="0">
-            <a:scrgbClr r="0" g="0" b="0"/>
-          </a:fillRef>
-          <a:effectRef idx="0">
-            <a:scrgbClr r="0" g="0" b="0"/>
-          </a:effectRef>
-          <a:fontRef idx="none"/>
-        </p:style>
-      </p:cxnSp>
-      <p:cxnSp>
-        <p:nvCxnSpPr>
-          <p:cNvPr id="52" name="Curved Connector 51">
-            <a:extLst>
-              <a:ext uri="{FF2B5EF4-FFF2-40B4-BE49-F238E27FC236}">
-                <a16:creationId xmlns:a16="http://schemas.microsoft.com/office/drawing/2014/main" id="{15C1D9FA-EE5B-ADB0-AAFC-BD09E7984A75}"/>
-              </a:ext>
-            </a:extLst>
-          </p:cNvPr>
-          <p:cNvCxnSpPr>
-            <a:cxnSpLocks/>
-            <a:stCxn id="22" idx="3"/>
-          </p:cNvCxnSpPr>
-          <p:nvPr/>
-        </p:nvCxnSpPr>
-        <p:spPr>
-          <a:xfrm flipH="1" flipV="1">
-            <a:off x="7220391" y="1131500"/>
-            <a:ext cx="4005612" cy="3588501"/>
-          </a:xfrm>
-          <a:prstGeom prst="curvedConnector3">
-            <a:avLst>
-              <a:gd name="adj1" fmla="val -15345"/>
-            </a:avLst>
-          </a:prstGeom>
-          <a:noFill/>
-          <a:ln w="38100" cap="flat">
-            <a:solidFill>
-              <a:schemeClr val="accent1"/>
-            </a:solidFill>
-            <a:prstDash val="solid"/>
-            <a:round/>
-            <a:headEnd type="triangle" w="lg" len="lg"/>
-            <a:tailEnd type="triangle" w="lg" len="lg"/>
-          </a:ln>
-          <a:effectLst>
-            <a:outerShdw blurRad="38100" dist="25400" dir="5400000" rotWithShape="0">
-              <a:srgbClr val="000000">
-                <a:alpha val="50000"/>
-              </a:srgbClr>
-            </a:outerShdw>
-          </a:effectLst>
-          <a:sp3d/>
-        </p:spPr>
-        <p:style>
-          <a:lnRef idx="0">
-            <a:scrgbClr r="0" g="0" b="0"/>
-          </a:lnRef>
-          <a:fillRef idx="0">
-            <a:scrgbClr r="0" g="0" b="0"/>
-          </a:fillRef>
-          <a:effectRef idx="0">
-            <a:scrgbClr r="0" g="0" b="0"/>
-          </a:effectRef>
-          <a:fontRef idx="none"/>
-        </p:style>
-      </p:cxnSp>
       <p:sp>
         <p:nvSpPr>
           <p:cNvPr id="115" name="TextBox 114">
@@ -5052,8 +4963,8 @@
         </p:nvSpPr>
         <p:spPr>
           <a:xfrm>
-            <a:off x="9090946" y="2479754"/>
-            <a:ext cx="1605280" cy="410351"/>
+            <a:off x="9090948" y="2342402"/>
+            <a:ext cx="1605280" cy="523220"/>
           </a:xfrm>
           <a:prstGeom prst="rect">
             <a:avLst/>
@@ -5085,10 +4996,26 @@
           <a:lstStyle/>
           <a:p>
             <a:r>
-              <a:rPr lang="en-GB" sz="2000" b="1" dirty="0"/>
+              <a:rPr lang="en-GB" sz="2800" b="1" dirty="0">
+                <a:ln w="3175">
+                  <a:solidFill>
+                    <a:schemeClr val="bg1">
+                      <a:lumMod val="85000"/>
+                    </a:schemeClr>
+                  </a:solidFill>
+                </a:ln>
+              </a:rPr>
               <a:t>Tail</a:t>
             </a:r>
-            <a:endParaRPr lang="en-RO" sz="2000" b="1" dirty="0"/>
+            <a:endParaRPr lang="en-RO" sz="2800" b="1" dirty="0">
+              <a:ln w="3175">
+                <a:solidFill>
+                  <a:schemeClr val="bg1">
+                    <a:lumMod val="85000"/>
+                  </a:schemeClr>
+                </a:solidFill>
+              </a:ln>
+            </a:endParaRPr>
           </a:p>
         </p:txBody>
       </p:sp>
@@ -5106,8 +5033,8 @@
         </p:nvSpPr>
         <p:spPr>
           <a:xfrm>
-            <a:off x="1965391" y="3005624"/>
-            <a:ext cx="2645869" cy="3039567"/>
+            <a:off x="1977755" y="2865623"/>
+            <a:ext cx="2645869" cy="3059470"/>
           </a:xfrm>
           <a:prstGeom prst="roundRect">
             <a:avLst>
@@ -5172,7 +5099,7 @@
         </p:nvSpPr>
         <p:spPr>
           <a:xfrm>
-            <a:off x="2744905" y="3037425"/>
+            <a:off x="2757271" y="3514101"/>
             <a:ext cx="1086836" cy="410369"/>
           </a:xfrm>
           <a:prstGeom prst="rect">
@@ -5298,9 +5225,9 @@
             <a:avLst/>
           </a:prstGeom>
           <a:noFill/>
-          <a:ln w="25400" cap="flat">
-            <a:solidFill>
-              <a:schemeClr val="accent1"/>
+          <a:ln w="12700" cap="flat">
+            <a:solidFill>
+              <a:schemeClr val="tx1"/>
             </a:solidFill>
             <a:prstDash val="solid"/>
             <a:round/>
@@ -5341,7 +5268,7 @@
         </p:nvCxnSpPr>
         <p:spPr>
           <a:xfrm>
-            <a:off x="3958824" y="4692408"/>
+            <a:off x="4614144" y="4720001"/>
             <a:ext cx="1310640" cy="0"/>
           </a:xfrm>
           <a:prstGeom prst="straightConnector1">
@@ -5531,9 +5458,9 @@
             <a:avLst/>
           </a:prstGeom>
           <a:noFill/>
-          <a:ln w="25400" cap="flat">
-            <a:solidFill>
-              <a:schemeClr val="accent1"/>
+          <a:ln w="12700" cap="flat">
+            <a:solidFill>
+              <a:schemeClr val="tx1"/>
             </a:solidFill>
             <a:prstDash val="solid"/>
             <a:round/>
@@ -5574,7 +5501,7 @@
         </p:nvCxnSpPr>
         <p:spPr>
           <a:xfrm>
-            <a:off x="7924814" y="4720001"/>
+            <a:off x="7269494" y="4720001"/>
             <a:ext cx="1310640" cy="0"/>
           </a:xfrm>
           <a:prstGeom prst="straightConnector1">
@@ -5626,7 +5553,7 @@
         </p:nvSpPr>
         <p:spPr>
           <a:xfrm>
-            <a:off x="9380385" y="3037425"/>
+            <a:off x="9359650" y="3479499"/>
             <a:ext cx="1086836" cy="410369"/>
           </a:xfrm>
           <a:prstGeom prst="rect">
@@ -5680,8 +5607,8 @@
         </p:nvSpPr>
         <p:spPr>
           <a:xfrm>
-            <a:off x="5789758" y="504892"/>
-            <a:ext cx="1605280" cy="410351"/>
+            <a:off x="5789758" y="380504"/>
+            <a:ext cx="1605280" cy="523220"/>
           </a:xfrm>
           <a:prstGeom prst="rect">
             <a:avLst/>
@@ -5713,13 +5640,143 @@
           <a:lstStyle/>
           <a:p>
             <a:r>
-              <a:rPr lang="en-GB" sz="2000" b="1" dirty="0"/>
+              <a:rPr lang="en-GB" sz="2800" b="1" dirty="0">
+                <a:ln w="3175">
+                  <a:solidFill>
+                    <a:schemeClr val="bg1">
+                      <a:lumMod val="85000"/>
+                    </a:schemeClr>
+                  </a:solidFill>
+                </a:ln>
+              </a:rPr>
               <a:t>List</a:t>
             </a:r>
-            <a:endParaRPr lang="en-RO" sz="2000" b="1" dirty="0"/>
+            <a:endParaRPr lang="en-RO" sz="2800" b="1" dirty="0">
+              <a:ln w="3175">
+                <a:solidFill>
+                  <a:schemeClr val="bg1">
+                    <a:lumMod val="85000"/>
+                  </a:schemeClr>
+                </a:solidFill>
+              </a:ln>
+            </a:endParaRPr>
           </a:p>
         </p:txBody>
       </p:sp>
+      <p:cxnSp>
+        <p:nvCxnSpPr>
+          <p:cNvPr id="32" name="Elbow Connector 31">
+            <a:extLst>
+              <a:ext uri="{FF2B5EF4-FFF2-40B4-BE49-F238E27FC236}">
+                <a16:creationId xmlns:a16="http://schemas.microsoft.com/office/drawing/2014/main" id="{22A2600A-D534-E7D8-3BCD-90CFF6DCFF12}"/>
+              </a:ext>
+            </a:extLst>
+          </p:cNvPr>
+          <p:cNvCxnSpPr>
+            <a:cxnSpLocks/>
+          </p:cNvCxnSpPr>
+          <p:nvPr/>
+        </p:nvCxnSpPr>
+        <p:spPr>
+          <a:xfrm>
+            <a:off x="7924814" y="1137311"/>
+            <a:ext cx="3310672" cy="3582690"/>
+          </a:xfrm>
+          <a:prstGeom prst="bentConnector3">
+            <a:avLst>
+              <a:gd name="adj1" fmla="val 118262"/>
+            </a:avLst>
+          </a:prstGeom>
+          <a:noFill/>
+          <a:ln w="38100" cap="flat">
+            <a:solidFill>
+              <a:schemeClr val="accent1"/>
+            </a:solidFill>
+            <a:prstDash val="solid"/>
+            <a:round/>
+            <a:headEnd type="triangle" w="lg" len="lg"/>
+            <a:tailEnd type="triangle" w="lg" len="lg"/>
+          </a:ln>
+          <a:effectLst>
+            <a:outerShdw blurRad="38100" dist="25400" dir="5400000" rotWithShape="0">
+              <a:srgbClr val="000000">
+                <a:alpha val="50000"/>
+              </a:srgbClr>
+            </a:outerShdw>
+          </a:effectLst>
+          <a:sp3d/>
+        </p:spPr>
+        <p:style>
+          <a:lnRef idx="0">
+            <a:scrgbClr r="0" g="0" b="0"/>
+          </a:lnRef>
+          <a:fillRef idx="0">
+            <a:scrgbClr r="0" g="0" b="0"/>
+          </a:fillRef>
+          <a:effectRef idx="0">
+            <a:scrgbClr r="0" g="0" b="0"/>
+          </a:effectRef>
+          <a:fontRef idx="none"/>
+        </p:style>
+      </p:cxnSp>
+      <p:cxnSp>
+        <p:nvCxnSpPr>
+          <p:cNvPr id="50" name="Elbow Connector 49">
+            <a:extLst>
+              <a:ext uri="{FF2B5EF4-FFF2-40B4-BE49-F238E27FC236}">
+                <a16:creationId xmlns:a16="http://schemas.microsoft.com/office/drawing/2014/main" id="{0E1452A6-748E-C7DA-2DF0-06788E9F092D}"/>
+              </a:ext>
+            </a:extLst>
+          </p:cNvPr>
+          <p:cNvCxnSpPr>
+            <a:cxnSpLocks/>
+            <a:stCxn id="6" idx="1"/>
+            <a:endCxn id="2" idx="1"/>
+          </p:cNvCxnSpPr>
+          <p:nvPr/>
+        </p:nvCxnSpPr>
+        <p:spPr>
+          <a:xfrm rot="10800000" flipV="1">
+            <a:off x="1965392" y="1137311"/>
+            <a:ext cx="3304073" cy="3582690"/>
+          </a:xfrm>
+          <a:prstGeom prst="bentConnector3">
+            <a:avLst>
+              <a:gd name="adj1" fmla="val 118299"/>
+            </a:avLst>
+          </a:prstGeom>
+          <a:noFill/>
+          <a:ln w="38100" cap="flat">
+            <a:solidFill>
+              <a:schemeClr val="accent1"/>
+            </a:solidFill>
+            <a:prstDash val="solid"/>
+            <a:round/>
+            <a:headEnd type="triangle" w="lg" len="lg"/>
+            <a:tailEnd type="triangle" w="lg" len="lg"/>
+          </a:ln>
+          <a:effectLst>
+            <a:outerShdw blurRad="38100" dist="25400" dir="5400000" rotWithShape="0">
+              <a:srgbClr val="000000">
+                <a:alpha val="50000"/>
+              </a:srgbClr>
+            </a:outerShdw>
+          </a:effectLst>
+          <a:sp3d/>
+        </p:spPr>
+        <p:style>
+          <a:lnRef idx="0">
+            <a:scrgbClr r="0" g="0" b="0"/>
+          </a:lnRef>
+          <a:fillRef idx="0">
+            <a:scrgbClr r="0" g="0" b="0"/>
+          </a:fillRef>
+          <a:effectRef idx="0">
+            <a:scrgbClr r="0" g="0" b="0"/>
+          </a:effectRef>
+          <a:fontRef idx="none"/>
+        </p:style>
+      </p:cxnSp>
     </p:spTree>
     <p:extLst>
       <p:ext uri="{BB962C8B-B14F-4D97-AF65-F5344CB8AC3E}">

--- a/website/assets/pptx/lists.pptx
+++ b/website/assets/pptx/lists.pptx
@@ -1934,7 +1934,7 @@
           </a:ln>
           <a:extLst>
             <a:ext uri="{C572A759-6A51-4108-AA02-DFA0A04FC94B}">
-              <ma14:wrappingTextBoxFlag xmlns="" xmlns:ma14="http://schemas.microsoft.com/office/mac/drawingml/2011/main" val="1"/>
+              <ma14:wrappingTextBoxFlag xmlns:ma14="http://schemas.microsoft.com/office/mac/drawingml/2011/main" xmlns="" val="1"/>
             </a:ext>
           </a:extLst>
         </p:spPr>
@@ -1973,7 +1973,7 @@
           </a:ln>
           <a:extLst>
             <a:ext uri="{C572A759-6A51-4108-AA02-DFA0A04FC94B}">
-              <ma14:wrappingTextBoxFlag xmlns="" xmlns:ma14="http://schemas.microsoft.com/office/mac/drawingml/2011/main" val="1"/>
+              <ma14:wrappingTextBoxFlag xmlns:ma14="http://schemas.microsoft.com/office/mac/drawingml/2011/main" xmlns="" val="1"/>
             </a:ext>
           </a:extLst>
         </p:spPr>
@@ -3576,7 +3576,7 @@
           <a:effectLst/>
           <a:extLst>
             <a:ext uri="{C572A759-6A51-4108-AA02-DFA0A04FC94B}">
-              <ma14:wrappingTextBoxFlag xmlns="" xmlns:ma14="http://schemas.microsoft.com/office/mac/drawingml/2011/main" val="1"/>
+              <ma14:wrappingTextBoxFlag xmlns:ma14="http://schemas.microsoft.com/office/mac/drawingml/2011/main" xmlns="" val="1"/>
             </a:ext>
           </a:extLst>
         </p:spPr>
@@ -3651,23 +3651,25 @@
             <a:r>
               <a:rPr lang="en-GB" sz="2800" b="1" dirty="0">
                 <a:ln w="3175">
-                  <a:solidFill>
-                    <a:schemeClr val="bg1">
-                      <a:lumMod val="85000"/>
-                    </a:schemeClr>
-                  </a:solidFill>
+                  <a:noFill/>
                 </a:ln>
+                <a:solidFill>
+                  <a:schemeClr val="bg1">
+                    <a:lumMod val="50000"/>
+                  </a:schemeClr>
+                </a:solidFill>
               </a:rPr>
               <a:t>Head</a:t>
             </a:r>
             <a:endParaRPr lang="en-RO" sz="2800" b="1" dirty="0">
               <a:ln w="3175">
-                <a:solidFill>
-                  <a:schemeClr val="bg1">
-                    <a:lumMod val="85000"/>
-                  </a:schemeClr>
-                </a:solidFill>
+                <a:noFill/>
               </a:ln>
+              <a:solidFill>
+                <a:schemeClr val="bg1">
+                  <a:lumMod val="50000"/>
+                </a:schemeClr>
+              </a:solidFill>
             </a:endParaRPr>
           </a:p>
         </p:txBody>
@@ -4247,7 +4249,7 @@
           <a:effectLst/>
           <a:extLst>
             <a:ext uri="{C572A759-6A51-4108-AA02-DFA0A04FC94B}">
-              <ma14:wrappingTextBoxFlag xmlns="" xmlns:ma14="http://schemas.microsoft.com/office/mac/drawingml/2011/main" val="1"/>
+              <ma14:wrappingTextBoxFlag xmlns:ma14="http://schemas.microsoft.com/office/mac/drawingml/2011/main" xmlns="" val="1"/>
             </a:ext>
           </a:extLst>
         </p:spPr>
@@ -4322,23 +4324,25 @@
             <a:r>
               <a:rPr lang="en-GB" sz="2800" b="1" dirty="0">
                 <a:ln w="3175">
-                  <a:solidFill>
-                    <a:schemeClr val="bg1">
-                      <a:lumMod val="85000"/>
-                    </a:schemeClr>
-                  </a:solidFill>
+                  <a:noFill/>
                 </a:ln>
+                <a:solidFill>
+                  <a:schemeClr val="bg1">
+                    <a:lumMod val="50000"/>
+                  </a:schemeClr>
+                </a:solidFill>
               </a:rPr>
               <a:t>Tail</a:t>
             </a:r>
             <a:endParaRPr lang="en-RO" sz="2800" b="1" dirty="0">
               <a:ln w="3175">
-                <a:solidFill>
-                  <a:schemeClr val="bg1">
-                    <a:lumMod val="85000"/>
-                  </a:schemeClr>
-                </a:solidFill>
+                <a:noFill/>
               </a:ln>
+              <a:solidFill>
+                <a:schemeClr val="bg1">
+                  <a:lumMod val="50000"/>
+                </a:schemeClr>
+              </a:solidFill>
             </a:endParaRPr>
           </a:p>
         </p:txBody>
@@ -4392,23 +4396,25 @@
             <a:r>
               <a:rPr lang="en-GB" sz="2800" b="1" dirty="0">
                 <a:ln w="3175">
-                  <a:solidFill>
-                    <a:schemeClr val="bg1">
-                      <a:lumMod val="85000"/>
-                    </a:schemeClr>
-                  </a:solidFill>
+                  <a:noFill/>
                 </a:ln>
+                <a:solidFill>
+                  <a:schemeClr val="bg1">
+                    <a:lumMod val="50000"/>
+                  </a:schemeClr>
+                </a:solidFill>
               </a:rPr>
               <a:t>List</a:t>
             </a:r>
             <a:endParaRPr lang="en-RO" sz="2800" b="1" dirty="0">
               <a:ln w="3175">
-                <a:solidFill>
-                  <a:schemeClr val="bg1">
-                    <a:lumMod val="85000"/>
-                  </a:schemeClr>
-                </a:solidFill>
+                <a:noFill/>
               </a:ln>
+              <a:solidFill>
+                <a:schemeClr val="bg1">
+                  <a:lumMod val="50000"/>
+                </a:schemeClr>
+              </a:solidFill>
             </a:endParaRPr>
           </a:p>
         </p:txBody>
@@ -4928,23 +4934,25 @@
             <a:r>
               <a:rPr lang="en-GB" sz="2800" b="1" dirty="0">
                 <a:ln w="3175">
-                  <a:solidFill>
-                    <a:schemeClr val="bg1">
-                      <a:lumMod val="85000"/>
-                    </a:schemeClr>
-                  </a:solidFill>
+                  <a:noFill/>
                 </a:ln>
+                <a:solidFill>
+                  <a:schemeClr val="bg1">
+                    <a:lumMod val="50000"/>
+                  </a:schemeClr>
+                </a:solidFill>
               </a:rPr>
               <a:t>Head</a:t>
             </a:r>
             <a:endParaRPr lang="en-RO" sz="2800" b="1" dirty="0">
               <a:ln w="3175">
-                <a:solidFill>
-                  <a:schemeClr val="bg1">
-                    <a:lumMod val="85000"/>
-                  </a:schemeClr>
-                </a:solidFill>
+                <a:noFill/>
               </a:ln>
+              <a:solidFill>
+                <a:schemeClr val="bg1">
+                  <a:lumMod val="50000"/>
+                </a:schemeClr>
+              </a:solidFill>
             </a:endParaRPr>
           </a:p>
         </p:txBody>
@@ -4998,23 +5006,25 @@
             <a:r>
               <a:rPr lang="en-GB" sz="2800" b="1" dirty="0">
                 <a:ln w="3175">
-                  <a:solidFill>
-                    <a:schemeClr val="bg1">
-                      <a:lumMod val="85000"/>
-                    </a:schemeClr>
-                  </a:solidFill>
+                  <a:noFill/>
                 </a:ln>
+                <a:solidFill>
+                  <a:schemeClr val="bg1">
+                    <a:lumMod val="50000"/>
+                  </a:schemeClr>
+                </a:solidFill>
               </a:rPr>
               <a:t>Tail</a:t>
             </a:r>
             <a:endParaRPr lang="en-RO" sz="2800" b="1" dirty="0">
               <a:ln w="3175">
-                <a:solidFill>
-                  <a:schemeClr val="bg1">
-                    <a:lumMod val="85000"/>
-                  </a:schemeClr>
-                </a:solidFill>
+                <a:noFill/>
               </a:ln>
+              <a:solidFill>
+                <a:schemeClr val="bg1">
+                  <a:lumMod val="50000"/>
+                </a:schemeClr>
+              </a:solidFill>
             </a:endParaRPr>
           </a:p>
         </p:txBody>
@@ -5113,7 +5123,7 @@
           <a:effectLst/>
           <a:extLst>
             <a:ext uri="{C572A759-6A51-4108-AA02-DFA0A04FC94B}">
-              <ma14:wrappingTextBoxFlag xmlns="" xmlns:ma14="http://schemas.microsoft.com/office/mac/drawingml/2011/main" val="1"/>
+              <ma14:wrappingTextBoxFlag xmlns:ma14="http://schemas.microsoft.com/office/mac/drawingml/2011/main" xmlns="" val="1"/>
             </a:ext>
           </a:extLst>
         </p:spPr>
@@ -5567,7 +5577,7 @@
           <a:effectLst/>
           <a:extLst>
             <a:ext uri="{C572A759-6A51-4108-AA02-DFA0A04FC94B}">
-              <ma14:wrappingTextBoxFlag xmlns="" xmlns:ma14="http://schemas.microsoft.com/office/mac/drawingml/2011/main" val="1"/>
+              <ma14:wrappingTextBoxFlag xmlns:ma14="http://schemas.microsoft.com/office/mac/drawingml/2011/main" xmlns="" val="1"/>
             </a:ext>
           </a:extLst>
         </p:spPr>
@@ -5642,23 +5652,25 @@
             <a:r>
               <a:rPr lang="en-GB" sz="2800" b="1" dirty="0">
                 <a:ln w="3175">
-                  <a:solidFill>
-                    <a:schemeClr val="bg1">
-                      <a:lumMod val="85000"/>
-                    </a:schemeClr>
-                  </a:solidFill>
+                  <a:noFill/>
                 </a:ln>
+                <a:solidFill>
+                  <a:schemeClr val="bg1">
+                    <a:lumMod val="50000"/>
+                  </a:schemeClr>
+                </a:solidFill>
               </a:rPr>
               <a:t>List</a:t>
             </a:r>
             <a:endParaRPr lang="en-RO" sz="2800" b="1" dirty="0">
               <a:ln w="3175">
-                <a:solidFill>
-                  <a:schemeClr val="bg1">
-                    <a:lumMod val="85000"/>
-                  </a:schemeClr>
-                </a:solidFill>
+                <a:noFill/>
               </a:ln>
+              <a:solidFill>
+                <a:schemeClr val="bg1">
+                  <a:lumMod val="50000"/>
+                </a:schemeClr>
+              </a:solidFill>
             </a:endParaRPr>
           </a:p>
         </p:txBody>

--- a/website/assets/pptx/lists.pptx
+++ b/website/assets/pptx/lists.pptx
@@ -5,11 +5,12 @@
     <p:sldMasterId id="2147483648" r:id="rId1"/>
   </p:sldMasterIdLst>
   <p:notesMasterIdLst>
-    <p:notesMasterId r:id="rId4"/>
+    <p:notesMasterId r:id="rId5"/>
   </p:notesMasterIdLst>
   <p:sldIdLst>
     <p:sldId id="257" r:id="rId2"/>
-    <p:sldId id="258" r:id="rId3"/>
+    <p:sldId id="259" r:id="rId3"/>
+    <p:sldId id="258" r:id="rId4"/>
   </p:sldIdLst>
   <p:sldSz cx="13004800" cy="9753600"/>
   <p:notesSz cx="6858000" cy="9144000"/>
@@ -500,6 +501,198 @@
     </a:lvl9pPr>
   </p:notesStyle>
 </p:notesMaster>
+</file>
+
+<file path=ppt/notesSlides/notesSlide1.xml><?xml version="1.0" encoding="utf-8"?>
+<p:notes xmlns:a="http://schemas.openxmlformats.org/drawingml/2006/main" xmlns:r="http://schemas.openxmlformats.org/officeDocument/2006/relationships" xmlns:p="http://schemas.openxmlformats.org/presentationml/2006/main">
+  <p:cSld>
+    <p:spTree>
+      <p:nvGrpSpPr>
+        <p:cNvPr id="1" name=""/>
+        <p:cNvGrpSpPr/>
+        <p:nvPr/>
+      </p:nvGrpSpPr>
+      <p:grpSpPr>
+        <a:xfrm>
+          <a:off x="0" y="0"/>
+          <a:ext cx="0" cy="0"/>
+          <a:chOff x="0" y="0"/>
+          <a:chExt cx="0" cy="0"/>
+        </a:xfrm>
+      </p:grpSpPr>
+      <p:sp>
+        <p:nvSpPr>
+          <p:cNvPr id="2" name="Slide Image Placeholder 1"/>
+          <p:cNvSpPr>
+            <a:spLocks noGrp="1" noRot="1" noChangeAspect="1"/>
+          </p:cNvSpPr>
+          <p:nvPr>
+            <p:ph type="sldImg"/>
+          </p:nvPr>
+        </p:nvSpPr>
+        <p:spPr/>
+      </p:sp>
+      <p:sp>
+        <p:nvSpPr>
+          <p:cNvPr id="3" name="Notes Placeholder 2"/>
+          <p:cNvSpPr>
+            <a:spLocks noGrp="1"/>
+          </p:cNvSpPr>
+          <p:nvPr>
+            <p:ph type="body" idx="1"/>
+          </p:nvPr>
+        </p:nvSpPr>
+        <p:spPr/>
+        <p:txBody>
+          <a:bodyPr/>
+          <a:lstStyle/>
+          <a:p>
+            <a:r>
+              <a:rPr lang="en-RO" dirty="0"/>
+              <a:t>regular</a:t>
+            </a:r>
+          </a:p>
+        </p:txBody>
+      </p:sp>
+    </p:spTree>
+    <p:extLst>
+      <p:ext uri="{BB962C8B-B14F-4D97-AF65-F5344CB8AC3E}">
+        <p14:creationId xmlns:p14="http://schemas.microsoft.com/office/powerpoint/2010/main" val="2134524110"/>
+      </p:ext>
+    </p:extLst>
+  </p:cSld>
+  <p:clrMapOvr>
+    <a:masterClrMapping/>
+  </p:clrMapOvr>
+</p:notes>
+</file>
+
+<file path=ppt/notesSlides/notesSlide2.xml><?xml version="1.0" encoding="utf-8"?>
+<p:notes xmlns:a="http://schemas.openxmlformats.org/drawingml/2006/main" xmlns:r="http://schemas.openxmlformats.org/officeDocument/2006/relationships" xmlns:p="http://schemas.openxmlformats.org/presentationml/2006/main">
+  <p:cSld>
+    <p:spTree>
+      <p:nvGrpSpPr>
+        <p:cNvPr id="1" name=""/>
+        <p:cNvGrpSpPr/>
+        <p:nvPr/>
+      </p:nvGrpSpPr>
+      <p:grpSpPr>
+        <a:xfrm>
+          <a:off x="0" y="0"/>
+          <a:ext cx="0" cy="0"/>
+          <a:chOff x="0" y="0"/>
+          <a:chExt cx="0" cy="0"/>
+        </a:xfrm>
+      </p:grpSpPr>
+      <p:sp>
+        <p:nvSpPr>
+          <p:cNvPr id="2" name="Slide Image Placeholder 1"/>
+          <p:cNvSpPr>
+            <a:spLocks noGrp="1" noRot="1" noChangeAspect="1"/>
+          </p:cNvSpPr>
+          <p:nvPr>
+            <p:ph type="sldImg"/>
+          </p:nvPr>
+        </p:nvSpPr>
+        <p:spPr/>
+      </p:sp>
+      <p:sp>
+        <p:nvSpPr>
+          <p:cNvPr id="3" name="Notes Placeholder 2"/>
+          <p:cNvSpPr>
+            <a:spLocks noGrp="1"/>
+          </p:cNvSpPr>
+          <p:nvPr>
+            <p:ph type="body" idx="1"/>
+          </p:nvPr>
+        </p:nvSpPr>
+        <p:spPr/>
+        <p:txBody>
+          <a:bodyPr/>
+          <a:lstStyle/>
+          <a:p>
+            <a:r>
+              <a:rPr lang="en-RO" dirty="0"/>
+              <a:t>low intrusive</a:t>
+            </a:r>
+          </a:p>
+        </p:txBody>
+      </p:sp>
+    </p:spTree>
+    <p:extLst>
+      <p:ext uri="{BB962C8B-B14F-4D97-AF65-F5344CB8AC3E}">
+        <p14:creationId xmlns:p14="http://schemas.microsoft.com/office/powerpoint/2010/main" val="3779026059"/>
+      </p:ext>
+    </p:extLst>
+  </p:cSld>
+  <p:clrMapOvr>
+    <a:masterClrMapping/>
+  </p:clrMapOvr>
+</p:notes>
+</file>
+
+<file path=ppt/notesSlides/notesSlide3.xml><?xml version="1.0" encoding="utf-8"?>
+<p:notes xmlns:a="http://schemas.openxmlformats.org/drawingml/2006/main" xmlns:r="http://schemas.openxmlformats.org/officeDocument/2006/relationships" xmlns:p="http://schemas.openxmlformats.org/presentationml/2006/main">
+  <p:cSld>
+    <p:spTree>
+      <p:nvGrpSpPr>
+        <p:cNvPr id="1" name=""/>
+        <p:cNvGrpSpPr/>
+        <p:nvPr/>
+      </p:nvGrpSpPr>
+      <p:grpSpPr>
+        <a:xfrm>
+          <a:off x="0" y="0"/>
+          <a:ext cx="0" cy="0"/>
+          <a:chOff x="0" y="0"/>
+          <a:chExt cx="0" cy="0"/>
+        </a:xfrm>
+      </p:grpSpPr>
+      <p:sp>
+        <p:nvSpPr>
+          <p:cNvPr id="2" name="Slide Image Placeholder 1"/>
+          <p:cNvSpPr>
+            <a:spLocks noGrp="1" noRot="1" noChangeAspect="1"/>
+          </p:cNvSpPr>
+          <p:nvPr>
+            <p:ph type="sldImg"/>
+          </p:nvPr>
+        </p:nvSpPr>
+        <p:spPr/>
+      </p:sp>
+      <p:sp>
+        <p:nvSpPr>
+          <p:cNvPr id="3" name="Notes Placeholder 2"/>
+          <p:cNvSpPr>
+            <a:spLocks noGrp="1"/>
+          </p:cNvSpPr>
+          <p:nvPr>
+            <p:ph type="body" idx="1"/>
+          </p:nvPr>
+        </p:nvSpPr>
+        <p:spPr/>
+        <p:txBody>
+          <a:bodyPr/>
+          <a:lstStyle/>
+          <a:p>
+            <a:r>
+              <a:rPr lang="en-RO"/>
+              <a:t>intrusive</a:t>
+            </a:r>
+          </a:p>
+        </p:txBody>
+      </p:sp>
+    </p:spTree>
+    <p:extLst>
+      <p:ext uri="{BB962C8B-B14F-4D97-AF65-F5344CB8AC3E}">
+        <p14:creationId xmlns:p14="http://schemas.microsoft.com/office/powerpoint/2010/main" val="795299082"/>
+      </p:ext>
+    </p:extLst>
+  </p:cSld>
+  <p:clrMapOvr>
+    <a:masterClrMapping/>
+  </p:clrMapOvr>
+</p:notes>
 </file>
 
 <file path=ppt/slideLayouts/slideLayout1.xml><?xml version="1.0" encoding="utf-8"?>
@@ -4578,6 +4771,1235 @@
         </p:nvSpPr>
         <p:spPr>
           <a:xfrm>
+            <a:off x="5235397" y="912960"/>
+            <a:ext cx="2645869" cy="467174"/>
+          </a:xfrm>
+          <a:prstGeom prst="roundRect">
+            <a:avLst>
+              <a:gd name="adj" fmla="val 20007"/>
+            </a:avLst>
+          </a:prstGeom>
+          <a:gradFill>
+            <a:gsLst>
+              <a:gs pos="0">
+                <a:srgbClr val="F38F18"/>
+              </a:gs>
+              <a:gs pos="100000">
+                <a:srgbClr val="BD590C"/>
+              </a:gs>
+            </a:gsLst>
+            <a:lin ang="5400000"/>
+          </a:gradFill>
+          <a:ln w="12700">
+            <a:miter lim="400000"/>
+          </a:ln>
+          <a:effectLst>
+            <a:outerShdw blurRad="38100" dist="25400" dir="5400000" rotWithShape="0">
+              <a:srgbClr val="000000">
+                <a:alpha val="50000"/>
+              </a:srgbClr>
+            </a:outerShdw>
+          </a:effectLst>
+        </p:spPr>
+        <p:txBody>
+          <a:bodyPr lIns="50800" tIns="50800" rIns="50800" bIns="50800" anchor="ctr"/>
+          <a:lstStyle/>
+          <a:p>
+            <a:pPr>
+              <a:defRPr sz="2400">
+                <a:solidFill>
+                  <a:srgbClr val="FFFFFF"/>
+                </a:solidFill>
+                <a:latin typeface="Helvetica Light"/>
+                <a:ea typeface="Helvetica Light"/>
+                <a:cs typeface="Helvetica Light"/>
+                <a:sym typeface="Helvetica Light"/>
+              </a:defRPr>
+            </a:pPr>
+            <a:endParaRPr sz="2400" dirty="0"/>
+          </a:p>
+        </p:txBody>
+      </p:sp>
+      <p:cxnSp>
+        <p:nvCxnSpPr>
+          <p:cNvPr id="11" name="Straight Connector 10">
+            <a:extLst>
+              <a:ext uri="{FF2B5EF4-FFF2-40B4-BE49-F238E27FC236}">
+                <a16:creationId xmlns:a16="http://schemas.microsoft.com/office/drawing/2014/main" id="{6B7ADA66-239D-8E4D-DF2D-433C65344DAF}"/>
+              </a:ext>
+            </a:extLst>
+          </p:cNvPr>
+          <p:cNvCxnSpPr>
+            <a:cxnSpLocks/>
+            <a:stCxn id="6" idx="0"/>
+            <a:endCxn id="6" idx="2"/>
+          </p:cNvCxnSpPr>
+          <p:nvPr/>
+        </p:nvCxnSpPr>
+        <p:spPr>
+          <a:xfrm>
+            <a:off x="6558332" y="912960"/>
+            <a:ext cx="0" cy="467174"/>
+          </a:xfrm>
+          <a:prstGeom prst="line">
+            <a:avLst/>
+          </a:prstGeom>
+          <a:noFill/>
+          <a:ln w="12700" cap="flat">
+            <a:solidFill>
+              <a:schemeClr val="tx1"/>
+            </a:solidFill>
+            <a:prstDash val="solid"/>
+            <a:round/>
+          </a:ln>
+          <a:effectLst>
+            <a:outerShdw blurRad="38100" dist="25400" dir="5400000" rotWithShape="0">
+              <a:srgbClr val="000000">
+                <a:alpha val="50000"/>
+              </a:srgbClr>
+            </a:outerShdw>
+          </a:effectLst>
+          <a:sp3d/>
+        </p:spPr>
+        <p:style>
+          <a:lnRef idx="0">
+            <a:scrgbClr r="0" g="0" b="0"/>
+          </a:lnRef>
+          <a:fillRef idx="0">
+            <a:scrgbClr r="0" g="0" b="0"/>
+          </a:fillRef>
+          <a:effectRef idx="0">
+            <a:scrgbClr r="0" g="0" b="0"/>
+          </a:effectRef>
+          <a:fontRef idx="none"/>
+        </p:style>
+      </p:cxnSp>
+      <p:sp>
+        <p:nvSpPr>
+          <p:cNvPr id="7" name="Shape 145">
+            <a:extLst>
+              <a:ext uri="{FF2B5EF4-FFF2-40B4-BE49-F238E27FC236}">
+                <a16:creationId xmlns:a16="http://schemas.microsoft.com/office/drawing/2014/main" id="{0E08B03A-63B8-0FE1-A3EF-9259C8A56900}"/>
+              </a:ext>
+            </a:extLst>
+          </p:cNvPr>
+          <p:cNvSpPr/>
+          <p:nvPr/>
+        </p:nvSpPr>
+        <p:spPr>
+          <a:xfrm>
+            <a:off x="1965391" y="2460145"/>
+            <a:ext cx="2645869" cy="3224785"/>
+          </a:xfrm>
+          <a:prstGeom prst="roundRect">
+            <a:avLst>
+              <a:gd name="adj" fmla="val 29777"/>
+            </a:avLst>
+          </a:prstGeom>
+          <a:gradFill>
+            <a:gsLst>
+              <a:gs pos="0">
+                <a:srgbClr val="F5D328"/>
+              </a:gs>
+              <a:gs pos="100000">
+                <a:srgbClr val="C3971A"/>
+              </a:gs>
+            </a:gsLst>
+            <a:lin ang="5400000"/>
+          </a:gradFill>
+          <a:ln w="12700">
+            <a:miter lim="400000"/>
+          </a:ln>
+          <a:effectLst>
+            <a:outerShdw blurRad="38100" dist="25400" dir="5400000" rotWithShape="0">
+              <a:srgbClr val="000000">
+                <a:alpha val="50000"/>
+              </a:srgbClr>
+            </a:outerShdw>
+          </a:effectLst>
+        </p:spPr>
+        <p:txBody>
+          <a:bodyPr lIns="50800" tIns="50800" rIns="50800" bIns="50800" anchor="ctr"/>
+          <a:lstStyle/>
+          <a:p>
+            <a:pPr>
+              <a:defRPr sz="2400">
+                <a:solidFill>
+                  <a:srgbClr val="FFFFFF"/>
+                </a:solidFill>
+                <a:latin typeface="Helvetica Light"/>
+                <a:ea typeface="Helvetica Light"/>
+                <a:cs typeface="Helvetica Light"/>
+                <a:sym typeface="Helvetica Light"/>
+              </a:defRPr>
+            </a:pPr>
+            <a:endParaRPr sz="2400" dirty="0"/>
+          </a:p>
+        </p:txBody>
+      </p:sp>
+      <p:cxnSp>
+        <p:nvCxnSpPr>
+          <p:cNvPr id="19" name="Straight Connector 18">
+            <a:extLst>
+              <a:ext uri="{FF2B5EF4-FFF2-40B4-BE49-F238E27FC236}">
+                <a16:creationId xmlns:a16="http://schemas.microsoft.com/office/drawing/2014/main" id="{950A7840-E901-1642-66EB-8EDB00E61805}"/>
+              </a:ext>
+            </a:extLst>
+          </p:cNvPr>
+          <p:cNvCxnSpPr>
+            <a:cxnSpLocks/>
+          </p:cNvCxnSpPr>
+          <p:nvPr/>
+        </p:nvCxnSpPr>
+        <p:spPr>
+          <a:xfrm>
+            <a:off x="1965391" y="3104789"/>
+            <a:ext cx="2645869" cy="0"/>
+          </a:xfrm>
+          <a:prstGeom prst="line">
+            <a:avLst/>
+          </a:prstGeom>
+          <a:noFill/>
+          <a:ln w="12700" cap="flat">
+            <a:solidFill>
+              <a:schemeClr val="tx1"/>
+            </a:solidFill>
+            <a:prstDash val="solid"/>
+            <a:round/>
+          </a:ln>
+          <a:effectLst>
+            <a:outerShdw blurRad="38100" dist="25400" dir="5400000" rotWithShape="0">
+              <a:srgbClr val="000000">
+                <a:alpha val="50000"/>
+              </a:srgbClr>
+            </a:outerShdw>
+          </a:effectLst>
+          <a:sp3d/>
+        </p:spPr>
+        <p:style>
+          <a:lnRef idx="0">
+            <a:scrgbClr r="0" g="0" b="0"/>
+          </a:lnRef>
+          <a:fillRef idx="0">
+            <a:scrgbClr r="0" g="0" b="0"/>
+          </a:fillRef>
+          <a:effectRef idx="0">
+            <a:scrgbClr r="0" g="0" b="0"/>
+          </a:effectRef>
+          <a:fontRef idx="none"/>
+        </p:style>
+      </p:cxnSp>
+      <p:cxnSp>
+        <p:nvCxnSpPr>
+          <p:cNvPr id="21" name="Straight Connector 20">
+            <a:extLst>
+              <a:ext uri="{FF2B5EF4-FFF2-40B4-BE49-F238E27FC236}">
+                <a16:creationId xmlns:a16="http://schemas.microsoft.com/office/drawing/2014/main" id="{7511E8C1-42C4-FABF-178D-02705AA20C07}"/>
+              </a:ext>
+            </a:extLst>
+          </p:cNvPr>
+          <p:cNvCxnSpPr>
+            <a:cxnSpLocks/>
+            <a:stCxn id="7" idx="0"/>
+          </p:cNvCxnSpPr>
+          <p:nvPr/>
+        </p:nvCxnSpPr>
+        <p:spPr>
+          <a:xfrm>
+            <a:off x="3288326" y="2460145"/>
+            <a:ext cx="0" cy="651150"/>
+          </a:xfrm>
+          <a:prstGeom prst="line">
+            <a:avLst/>
+          </a:prstGeom>
+          <a:noFill/>
+          <a:ln w="12700" cap="flat">
+            <a:solidFill>
+              <a:schemeClr val="tx1"/>
+            </a:solidFill>
+            <a:prstDash val="solid"/>
+            <a:round/>
+          </a:ln>
+          <a:effectLst>
+            <a:outerShdw blurRad="38100" dist="25400" dir="5400000" rotWithShape="0">
+              <a:srgbClr val="000000">
+                <a:alpha val="50000"/>
+              </a:srgbClr>
+            </a:outerShdw>
+          </a:effectLst>
+          <a:sp3d/>
+        </p:spPr>
+        <p:style>
+          <a:lnRef idx="0">
+            <a:scrgbClr r="0" g="0" b="0"/>
+          </a:lnRef>
+          <a:fillRef idx="0">
+            <a:scrgbClr r="0" g="0" b="0"/>
+          </a:fillRef>
+          <a:effectRef idx="0">
+            <a:scrgbClr r="0" g="0" b="0"/>
+          </a:effectRef>
+          <a:fontRef idx="none"/>
+        </p:style>
+      </p:cxnSp>
+      <p:cxnSp>
+        <p:nvCxnSpPr>
+          <p:cNvPr id="36" name="Straight Arrow Connector 35">
+            <a:extLst>
+              <a:ext uri="{FF2B5EF4-FFF2-40B4-BE49-F238E27FC236}">
+                <a16:creationId xmlns:a16="http://schemas.microsoft.com/office/drawing/2014/main" id="{043BD834-DE34-D2DD-5EB9-32B4529CED2F}"/>
+              </a:ext>
+            </a:extLst>
+          </p:cNvPr>
+          <p:cNvCxnSpPr/>
+          <p:nvPr/>
+        </p:nvCxnSpPr>
+        <p:spPr>
+          <a:xfrm>
+            <a:off x="4517419" y="2839341"/>
+            <a:ext cx="1310640" cy="0"/>
+          </a:xfrm>
+          <a:prstGeom prst="straightConnector1">
+            <a:avLst/>
+          </a:prstGeom>
+          <a:noFill/>
+          <a:ln w="38100" cap="flat">
+            <a:solidFill>
+              <a:schemeClr val="accent1"/>
+            </a:solidFill>
+            <a:prstDash val="solid"/>
+            <a:round/>
+            <a:headEnd type="triangle" w="lg" len="lg"/>
+            <a:tailEnd type="triangle" w="lg" len="lg"/>
+          </a:ln>
+          <a:effectLst>
+            <a:outerShdw blurRad="38100" dist="25400" dir="5400000" rotWithShape="0">
+              <a:srgbClr val="000000">
+                <a:alpha val="50000"/>
+              </a:srgbClr>
+            </a:outerShdw>
+          </a:effectLst>
+          <a:sp3d/>
+        </p:spPr>
+        <p:style>
+          <a:lnRef idx="0">
+            <a:scrgbClr r="0" g="0" b="0"/>
+          </a:lnRef>
+          <a:fillRef idx="0">
+            <a:scrgbClr r="0" g="0" b="0"/>
+          </a:fillRef>
+          <a:effectRef idx="0">
+            <a:scrgbClr r="0" g="0" b="0"/>
+          </a:effectRef>
+          <a:fontRef idx="none"/>
+        </p:style>
+      </p:cxnSp>
+      <p:sp>
+        <p:nvSpPr>
+          <p:cNvPr id="79" name="TextBox 78">
+            <a:extLst>
+              <a:ext uri="{FF2B5EF4-FFF2-40B4-BE49-F238E27FC236}">
+                <a16:creationId xmlns:a16="http://schemas.microsoft.com/office/drawing/2014/main" id="{953E794D-08C9-C285-EF60-CE9728AB2868}"/>
+              </a:ext>
+            </a:extLst>
+          </p:cNvPr>
+          <p:cNvSpPr txBox="1"/>
+          <p:nvPr/>
+        </p:nvSpPr>
+        <p:spPr>
+          <a:xfrm>
+            <a:off x="2484402" y="1915964"/>
+            <a:ext cx="1605280" cy="523220"/>
+          </a:xfrm>
+          <a:prstGeom prst="rect">
+            <a:avLst/>
+          </a:prstGeom>
+          <a:noFill/>
+          <a:ln w="12700" cap="flat">
+            <a:noFill/>
+            <a:miter lim="400000"/>
+          </a:ln>
+          <a:effectLst/>
+          <a:sp3d/>
+        </p:spPr>
+        <p:style>
+          <a:lnRef idx="0">
+            <a:scrgbClr r="0" g="0" b="0"/>
+          </a:lnRef>
+          <a:fillRef idx="0">
+            <a:scrgbClr r="0" g="0" b="0"/>
+          </a:fillRef>
+          <a:effectRef idx="0">
+            <a:scrgbClr r="0" g="0" b="0"/>
+          </a:effectRef>
+          <a:fontRef idx="none"/>
+        </p:style>
+        <p:txBody>
+          <a:bodyPr wrap="square">
+            <a:spAutoFit/>
+          </a:bodyPr>
+          <a:lstStyle/>
+          <a:p>
+            <a:r>
+              <a:rPr lang="en-GB" sz="2800" b="1" dirty="0">
+                <a:ln w="3175">
+                  <a:noFill/>
+                </a:ln>
+                <a:solidFill>
+                  <a:schemeClr val="bg1">
+                    <a:lumMod val="50000"/>
+                  </a:schemeClr>
+                </a:solidFill>
+              </a:rPr>
+              <a:t>Head</a:t>
+            </a:r>
+            <a:endParaRPr lang="en-RO" sz="2800" b="1" dirty="0">
+              <a:ln w="3175">
+                <a:noFill/>
+              </a:ln>
+              <a:solidFill>
+                <a:schemeClr val="bg1">
+                  <a:lumMod val="50000"/>
+                </a:schemeClr>
+              </a:solidFill>
+            </a:endParaRPr>
+          </a:p>
+        </p:txBody>
+      </p:sp>
+      <p:grpSp>
+        <p:nvGrpSpPr>
+          <p:cNvPr id="83" name="Group 82">
+            <a:extLst>
+              <a:ext uri="{FF2B5EF4-FFF2-40B4-BE49-F238E27FC236}">
+                <a16:creationId xmlns:a16="http://schemas.microsoft.com/office/drawing/2014/main" id="{95DB0EC7-2FCF-0454-E223-5D1626C955EB}"/>
+              </a:ext>
+            </a:extLst>
+          </p:cNvPr>
+          <p:cNvGrpSpPr/>
+          <p:nvPr/>
+        </p:nvGrpSpPr>
+        <p:grpSpPr>
+          <a:xfrm>
+            <a:off x="6156223" y="3022216"/>
+            <a:ext cx="869467" cy="165146"/>
+            <a:chOff x="6157667" y="3509475"/>
+            <a:chExt cx="869467" cy="923290"/>
+          </a:xfrm>
+        </p:grpSpPr>
+        <p:sp>
+          <p:nvSpPr>
+            <p:cNvPr id="84" name="Oval 83">
+              <a:extLst>
+                <a:ext uri="{FF2B5EF4-FFF2-40B4-BE49-F238E27FC236}">
+                  <a16:creationId xmlns:a16="http://schemas.microsoft.com/office/drawing/2014/main" id="{66337679-BE05-FC47-DFEC-A8781C5C6802}"/>
+                </a:ext>
+              </a:extLst>
+            </p:cNvPr>
+            <p:cNvSpPr/>
+            <p:nvPr/>
+          </p:nvSpPr>
+          <p:spPr>
+            <a:xfrm>
+              <a:off x="6502399" y="3509475"/>
+              <a:ext cx="180000" cy="923290"/>
+            </a:xfrm>
+            <a:prstGeom prst="ellipse">
+              <a:avLst/>
+            </a:prstGeom>
+            <a:solidFill>
+              <a:schemeClr val="accent3"/>
+            </a:solidFill>
+            <a:ln w="25400" cap="flat">
+              <a:solidFill>
+                <a:schemeClr val="accent3"/>
+              </a:solidFill>
+              <a:prstDash val="solid"/>
+              <a:round/>
+            </a:ln>
+            <a:effectLst>
+              <a:outerShdw blurRad="38100" dist="25400" dir="5400000" rotWithShape="0">
+                <a:srgbClr val="000000">
+                  <a:alpha val="50000"/>
+                </a:srgbClr>
+              </a:outerShdw>
+            </a:effectLst>
+            <a:sp3d/>
+          </p:spPr>
+          <p:style>
+            <a:lnRef idx="0">
+              <a:scrgbClr r="0" g="0" b="0"/>
+            </a:lnRef>
+            <a:fillRef idx="0">
+              <a:scrgbClr r="0" g="0" b="0"/>
+            </a:fillRef>
+            <a:effectRef idx="0">
+              <a:scrgbClr r="0" g="0" b="0"/>
+            </a:effectRef>
+            <a:fontRef idx="none"/>
+          </p:style>
+          <p:txBody>
+            <a:bodyPr rot="0" spcFirstLastPara="1" vertOverflow="overflow" horzOverflow="overflow" vert="horz" wrap="square" lIns="50800" tIns="50800" rIns="50800" bIns="50800" numCol="1" spcCol="38100" rtlCol="0" anchor="ctr">
+              <a:spAutoFit/>
+            </a:bodyPr>
+            <a:lstStyle/>
+            <a:p>
+              <a:endParaRPr lang="en-RO" dirty="0"/>
+            </a:p>
+          </p:txBody>
+        </p:sp>
+        <p:sp>
+          <p:nvSpPr>
+            <p:cNvPr id="85" name="Oval 84">
+              <a:extLst>
+                <a:ext uri="{FF2B5EF4-FFF2-40B4-BE49-F238E27FC236}">
+                  <a16:creationId xmlns:a16="http://schemas.microsoft.com/office/drawing/2014/main" id="{53E94BCA-F263-DC65-AB9A-710DA218E7AA}"/>
+                </a:ext>
+              </a:extLst>
+            </p:cNvPr>
+            <p:cNvSpPr/>
+            <p:nvPr/>
+          </p:nvSpPr>
+          <p:spPr>
+            <a:xfrm>
+              <a:off x="6847134" y="3509475"/>
+              <a:ext cx="180000" cy="923290"/>
+            </a:xfrm>
+            <a:prstGeom prst="ellipse">
+              <a:avLst/>
+            </a:prstGeom>
+            <a:solidFill>
+              <a:schemeClr val="accent3"/>
+            </a:solidFill>
+            <a:ln w="25400" cap="flat">
+              <a:solidFill>
+                <a:schemeClr val="accent3"/>
+              </a:solidFill>
+              <a:prstDash val="solid"/>
+              <a:round/>
+            </a:ln>
+            <a:effectLst>
+              <a:outerShdw blurRad="38100" dist="25400" dir="5400000" rotWithShape="0">
+                <a:srgbClr val="000000">
+                  <a:alpha val="50000"/>
+                </a:srgbClr>
+              </a:outerShdw>
+            </a:effectLst>
+            <a:sp3d/>
+          </p:spPr>
+          <p:style>
+            <a:lnRef idx="0">
+              <a:scrgbClr r="0" g="0" b="0"/>
+            </a:lnRef>
+            <a:fillRef idx="0">
+              <a:scrgbClr r="0" g="0" b="0"/>
+            </a:fillRef>
+            <a:effectRef idx="0">
+              <a:scrgbClr r="0" g="0" b="0"/>
+            </a:effectRef>
+            <a:fontRef idx="none"/>
+          </p:style>
+          <p:txBody>
+            <a:bodyPr rot="0" spcFirstLastPara="1" vertOverflow="overflow" horzOverflow="overflow" vert="horz" wrap="square" lIns="50800" tIns="50800" rIns="50800" bIns="50800" numCol="1" spcCol="38100" rtlCol="0" anchor="ctr">
+              <a:spAutoFit/>
+            </a:bodyPr>
+            <a:lstStyle/>
+            <a:p>
+              <a:endParaRPr lang="en-RO" dirty="0"/>
+            </a:p>
+          </p:txBody>
+        </p:sp>
+        <p:sp>
+          <p:nvSpPr>
+            <p:cNvPr id="86" name="Oval 85">
+              <a:extLst>
+                <a:ext uri="{FF2B5EF4-FFF2-40B4-BE49-F238E27FC236}">
+                  <a16:creationId xmlns:a16="http://schemas.microsoft.com/office/drawing/2014/main" id="{5DDF2374-E2DE-18EA-0B3C-D9FFAAC5A36C}"/>
+                </a:ext>
+              </a:extLst>
+            </p:cNvPr>
+            <p:cNvSpPr/>
+            <p:nvPr/>
+          </p:nvSpPr>
+          <p:spPr>
+            <a:xfrm>
+              <a:off x="6157667" y="3509475"/>
+              <a:ext cx="180000" cy="923290"/>
+            </a:xfrm>
+            <a:prstGeom prst="ellipse">
+              <a:avLst/>
+            </a:prstGeom>
+            <a:solidFill>
+              <a:schemeClr val="accent3"/>
+            </a:solidFill>
+            <a:ln w="25400" cap="flat">
+              <a:solidFill>
+                <a:schemeClr val="accent3"/>
+              </a:solidFill>
+              <a:prstDash val="solid"/>
+              <a:round/>
+            </a:ln>
+            <a:effectLst>
+              <a:outerShdw blurRad="38100" dist="25400" dir="5400000" rotWithShape="0">
+                <a:srgbClr val="000000">
+                  <a:alpha val="50000"/>
+                </a:srgbClr>
+              </a:outerShdw>
+            </a:effectLst>
+            <a:sp3d/>
+          </p:spPr>
+          <p:style>
+            <a:lnRef idx="0">
+              <a:scrgbClr r="0" g="0" b="0"/>
+            </a:lnRef>
+            <a:fillRef idx="0">
+              <a:scrgbClr r="0" g="0" b="0"/>
+            </a:fillRef>
+            <a:effectRef idx="0">
+              <a:scrgbClr r="0" g="0" b="0"/>
+            </a:effectRef>
+            <a:fontRef idx="none"/>
+          </p:style>
+          <p:txBody>
+            <a:bodyPr rot="0" spcFirstLastPara="1" vertOverflow="overflow" horzOverflow="overflow" vert="horz" wrap="square" lIns="50800" tIns="50800" rIns="50800" bIns="50800" numCol="1" spcCol="38100" rtlCol="0" anchor="ctr">
+              <a:spAutoFit/>
+            </a:bodyPr>
+            <a:lstStyle/>
+            <a:p>
+              <a:endParaRPr lang="en-RO" dirty="0"/>
+            </a:p>
+          </p:txBody>
+        </p:sp>
+      </p:grpSp>
+      <p:sp>
+        <p:nvSpPr>
+          <p:cNvPr id="99" name="Shape 145">
+            <a:extLst>
+              <a:ext uri="{FF2B5EF4-FFF2-40B4-BE49-F238E27FC236}">
+                <a16:creationId xmlns:a16="http://schemas.microsoft.com/office/drawing/2014/main" id="{792C8453-0543-919D-C728-0F43AA6E15EB}"/>
+              </a:ext>
+            </a:extLst>
+          </p:cNvPr>
+          <p:cNvSpPr/>
+          <p:nvPr/>
+        </p:nvSpPr>
+        <p:spPr>
+          <a:xfrm>
+            <a:off x="8570653" y="2453638"/>
+            <a:ext cx="2645869" cy="3224781"/>
+          </a:xfrm>
+          <a:prstGeom prst="roundRect">
+            <a:avLst>
+              <a:gd name="adj" fmla="val 29777"/>
+            </a:avLst>
+          </a:prstGeom>
+          <a:gradFill>
+            <a:gsLst>
+              <a:gs pos="0">
+                <a:srgbClr val="F5D328"/>
+              </a:gs>
+              <a:gs pos="100000">
+                <a:srgbClr val="C3971A"/>
+              </a:gs>
+            </a:gsLst>
+            <a:lin ang="5400000"/>
+          </a:gradFill>
+          <a:ln w="12700">
+            <a:miter lim="400000"/>
+          </a:ln>
+          <a:effectLst>
+            <a:outerShdw blurRad="38100" dist="25400" dir="5400000" rotWithShape="0">
+              <a:srgbClr val="000000">
+                <a:alpha val="50000"/>
+              </a:srgbClr>
+            </a:outerShdw>
+          </a:effectLst>
+        </p:spPr>
+        <p:txBody>
+          <a:bodyPr lIns="50800" tIns="50800" rIns="50800" bIns="50800" anchor="ctr"/>
+          <a:lstStyle/>
+          <a:p>
+            <a:pPr>
+              <a:defRPr sz="2400">
+                <a:solidFill>
+                  <a:srgbClr val="FFFFFF"/>
+                </a:solidFill>
+                <a:latin typeface="Helvetica Light"/>
+                <a:ea typeface="Helvetica Light"/>
+                <a:cs typeface="Helvetica Light"/>
+                <a:sym typeface="Helvetica Light"/>
+              </a:defRPr>
+            </a:pPr>
+            <a:endParaRPr sz="2400"/>
+          </a:p>
+        </p:txBody>
+      </p:sp>
+      <p:cxnSp>
+        <p:nvCxnSpPr>
+          <p:cNvPr id="100" name="Straight Connector 99">
+            <a:extLst>
+              <a:ext uri="{FF2B5EF4-FFF2-40B4-BE49-F238E27FC236}">
+                <a16:creationId xmlns:a16="http://schemas.microsoft.com/office/drawing/2014/main" id="{84269F55-5481-EA1A-AC54-C6F3B7DF019E}"/>
+              </a:ext>
+            </a:extLst>
+          </p:cNvPr>
+          <p:cNvCxnSpPr>
+            <a:cxnSpLocks/>
+          </p:cNvCxnSpPr>
+          <p:nvPr/>
+        </p:nvCxnSpPr>
+        <p:spPr>
+          <a:xfrm>
+            <a:off x="8570653" y="3104789"/>
+            <a:ext cx="2645869" cy="0"/>
+          </a:xfrm>
+          <a:prstGeom prst="line">
+            <a:avLst/>
+          </a:prstGeom>
+          <a:noFill/>
+          <a:ln w="12700" cap="flat">
+            <a:solidFill>
+              <a:schemeClr val="accent1"/>
+            </a:solidFill>
+            <a:prstDash val="solid"/>
+            <a:round/>
+          </a:ln>
+          <a:effectLst>
+            <a:outerShdw blurRad="38100" dist="25400" dir="5400000" rotWithShape="0">
+              <a:srgbClr val="000000">
+                <a:alpha val="50000"/>
+              </a:srgbClr>
+            </a:outerShdw>
+          </a:effectLst>
+          <a:sp3d/>
+        </p:spPr>
+        <p:style>
+          <a:lnRef idx="0">
+            <a:scrgbClr r="0" g="0" b="0"/>
+          </a:lnRef>
+          <a:fillRef idx="0">
+            <a:scrgbClr r="0" g="0" b="0"/>
+          </a:fillRef>
+          <a:effectRef idx="0">
+            <a:scrgbClr r="0" g="0" b="0"/>
+          </a:effectRef>
+          <a:fontRef idx="none"/>
+        </p:style>
+      </p:cxnSp>
+      <p:cxnSp>
+        <p:nvCxnSpPr>
+          <p:cNvPr id="101" name="Straight Connector 100">
+            <a:extLst>
+              <a:ext uri="{FF2B5EF4-FFF2-40B4-BE49-F238E27FC236}">
+                <a16:creationId xmlns:a16="http://schemas.microsoft.com/office/drawing/2014/main" id="{29FAE27F-80C3-A8FE-D7B9-DA0E8FC415F0}"/>
+              </a:ext>
+            </a:extLst>
+          </p:cNvPr>
+          <p:cNvCxnSpPr>
+            <a:cxnSpLocks/>
+            <a:stCxn id="99" idx="0"/>
+          </p:cNvCxnSpPr>
+          <p:nvPr/>
+        </p:nvCxnSpPr>
+        <p:spPr>
+          <a:xfrm>
+            <a:off x="9893588" y="2453638"/>
+            <a:ext cx="0" cy="651151"/>
+          </a:xfrm>
+          <a:prstGeom prst="line">
+            <a:avLst/>
+          </a:prstGeom>
+          <a:noFill/>
+          <a:ln w="12700" cap="flat">
+            <a:solidFill>
+              <a:schemeClr val="tx1"/>
+            </a:solidFill>
+            <a:prstDash val="solid"/>
+            <a:round/>
+          </a:ln>
+          <a:effectLst>
+            <a:outerShdw blurRad="38100" dist="25400" dir="5400000" rotWithShape="0">
+              <a:srgbClr val="000000">
+                <a:alpha val="50000"/>
+              </a:srgbClr>
+            </a:outerShdw>
+          </a:effectLst>
+          <a:sp3d/>
+        </p:spPr>
+        <p:style>
+          <a:lnRef idx="0">
+            <a:scrgbClr r="0" g="0" b="0"/>
+          </a:lnRef>
+          <a:fillRef idx="0">
+            <a:scrgbClr r="0" g="0" b="0"/>
+          </a:fillRef>
+          <a:effectRef idx="0">
+            <a:scrgbClr r="0" g="0" b="0"/>
+          </a:effectRef>
+          <a:fontRef idx="none"/>
+        </p:style>
+      </p:cxnSp>
+      <p:cxnSp>
+        <p:nvCxnSpPr>
+          <p:cNvPr id="104" name="Straight Arrow Connector 103">
+            <a:extLst>
+              <a:ext uri="{FF2B5EF4-FFF2-40B4-BE49-F238E27FC236}">
+                <a16:creationId xmlns:a16="http://schemas.microsoft.com/office/drawing/2014/main" id="{72AA0415-E3A1-88E9-406E-FB33BE5EB9F9}"/>
+              </a:ext>
+            </a:extLst>
+          </p:cNvPr>
+          <p:cNvCxnSpPr/>
+          <p:nvPr/>
+        </p:nvCxnSpPr>
+        <p:spPr>
+          <a:xfrm>
+            <a:off x="7303593" y="2828963"/>
+            <a:ext cx="1310640" cy="0"/>
+          </a:xfrm>
+          <a:prstGeom prst="straightConnector1">
+            <a:avLst/>
+          </a:prstGeom>
+          <a:noFill/>
+          <a:ln w="38100" cap="flat">
+            <a:solidFill>
+              <a:schemeClr val="accent1"/>
+            </a:solidFill>
+            <a:prstDash val="solid"/>
+            <a:round/>
+            <a:headEnd type="triangle" w="lg" len="lg"/>
+            <a:tailEnd type="triangle" w="lg" len="lg"/>
+          </a:ln>
+          <a:effectLst>
+            <a:outerShdw blurRad="38100" dist="25400" dir="5400000" rotWithShape="0">
+              <a:srgbClr val="000000">
+                <a:alpha val="50000"/>
+              </a:srgbClr>
+            </a:outerShdw>
+          </a:effectLst>
+          <a:sp3d/>
+        </p:spPr>
+        <p:style>
+          <a:lnRef idx="0">
+            <a:scrgbClr r="0" g="0" b="0"/>
+          </a:lnRef>
+          <a:fillRef idx="0">
+            <a:scrgbClr r="0" g="0" b="0"/>
+          </a:fillRef>
+          <a:effectRef idx="0">
+            <a:scrgbClr r="0" g="0" b="0"/>
+          </a:effectRef>
+          <a:fontRef idx="none"/>
+        </p:style>
+      </p:cxnSp>
+      <p:sp>
+        <p:nvSpPr>
+          <p:cNvPr id="105" name="Shape 129">
+            <a:extLst>
+              <a:ext uri="{FF2B5EF4-FFF2-40B4-BE49-F238E27FC236}">
+                <a16:creationId xmlns:a16="http://schemas.microsoft.com/office/drawing/2014/main" id="{6B125462-DF6A-22F1-8FC7-27EBF9501BFC}"/>
+              </a:ext>
+            </a:extLst>
+          </p:cNvPr>
+          <p:cNvSpPr/>
+          <p:nvPr/>
+        </p:nvSpPr>
+        <p:spPr>
+          <a:xfrm>
+            <a:off x="9350169" y="4066028"/>
+            <a:ext cx="1086836" cy="410369"/>
+          </a:xfrm>
+          <a:prstGeom prst="rect">
+            <a:avLst/>
+          </a:prstGeom>
+          <a:noFill/>
+          <a:ln w="12700" cap="flat">
+            <a:noFill/>
+            <a:miter lim="400000"/>
+          </a:ln>
+          <a:effectLst/>
+          <a:extLst>
+            <a:ext uri="{C572A759-6A51-4108-AA02-DFA0A04FC94B}">
+              <ma14:wrappingTextBoxFlag xmlns:ma14="http://schemas.microsoft.com/office/mac/drawingml/2011/main" xmlns="" val="1"/>
+            </a:ext>
+          </a:extLst>
+        </p:spPr>
+        <p:txBody>
+          <a:bodyPr wrap="none" lIns="50800" tIns="50800" rIns="50800" bIns="50800" numCol="1" anchor="ctr">
+            <a:spAutoFit/>
+          </a:bodyPr>
+          <a:lstStyle>
+            <a:lvl1pPr>
+              <a:defRPr sz="2000" b="1">
+                <a:solidFill>
+                  <a:srgbClr val="FFFFFF"/>
+                </a:solidFill>
+              </a:defRPr>
+            </a:lvl1pPr>
+          </a:lstStyle>
+          <a:p>
+            <a:r>
+              <a:rPr lang="ro-RO" dirty="0" err="1"/>
+              <a:t>Payload</a:t>
+            </a:r>
+            <a:endParaRPr lang="ro-RO" dirty="0"/>
+          </a:p>
+        </p:txBody>
+      </p:sp>
+      <p:sp>
+        <p:nvSpPr>
+          <p:cNvPr id="115" name="TextBox 114">
+            <a:extLst>
+              <a:ext uri="{FF2B5EF4-FFF2-40B4-BE49-F238E27FC236}">
+                <a16:creationId xmlns:a16="http://schemas.microsoft.com/office/drawing/2014/main" id="{B6CE671C-9502-7937-5FD5-9E67F00C28E0}"/>
+              </a:ext>
+            </a:extLst>
+          </p:cNvPr>
+          <p:cNvSpPr txBox="1"/>
+          <p:nvPr/>
+        </p:nvSpPr>
+        <p:spPr>
+          <a:xfrm>
+            <a:off x="9090947" y="1904331"/>
+            <a:ext cx="1605280" cy="523220"/>
+          </a:xfrm>
+          <a:prstGeom prst="rect">
+            <a:avLst/>
+          </a:prstGeom>
+          <a:noFill/>
+          <a:ln w="12700" cap="flat">
+            <a:noFill/>
+            <a:miter lim="400000"/>
+          </a:ln>
+          <a:effectLst/>
+          <a:sp3d/>
+        </p:spPr>
+        <p:style>
+          <a:lnRef idx="0">
+            <a:scrgbClr r="0" g="0" b="0"/>
+          </a:lnRef>
+          <a:fillRef idx="0">
+            <a:scrgbClr r="0" g="0" b="0"/>
+          </a:fillRef>
+          <a:effectRef idx="0">
+            <a:scrgbClr r="0" g="0" b="0"/>
+          </a:effectRef>
+          <a:fontRef idx="none"/>
+        </p:style>
+        <p:txBody>
+          <a:bodyPr wrap="square">
+            <a:spAutoFit/>
+          </a:bodyPr>
+          <a:lstStyle/>
+          <a:p>
+            <a:r>
+              <a:rPr lang="en-GB" sz="2800" b="1" dirty="0">
+                <a:ln w="3175">
+                  <a:noFill/>
+                </a:ln>
+                <a:solidFill>
+                  <a:schemeClr val="bg1">
+                    <a:lumMod val="50000"/>
+                  </a:schemeClr>
+                </a:solidFill>
+              </a:rPr>
+              <a:t>Tail</a:t>
+            </a:r>
+            <a:endParaRPr lang="en-RO" sz="2800" b="1" dirty="0">
+              <a:ln w="3175">
+                <a:noFill/>
+              </a:ln>
+              <a:solidFill>
+                <a:schemeClr val="bg1">
+                  <a:lumMod val="50000"/>
+                </a:schemeClr>
+              </a:solidFill>
+            </a:endParaRPr>
+          </a:p>
+        </p:txBody>
+      </p:sp>
+      <p:sp>
+        <p:nvSpPr>
+          <p:cNvPr id="2" name="TextBox 1">
+            <a:extLst>
+              <a:ext uri="{FF2B5EF4-FFF2-40B4-BE49-F238E27FC236}">
+                <a16:creationId xmlns:a16="http://schemas.microsoft.com/office/drawing/2014/main" id="{F6949BCF-0303-3657-D82E-71AD4D020889}"/>
+              </a:ext>
+            </a:extLst>
+          </p:cNvPr>
+          <p:cNvSpPr txBox="1"/>
+          <p:nvPr/>
+        </p:nvSpPr>
+        <p:spPr>
+          <a:xfrm>
+            <a:off x="5698313" y="357015"/>
+            <a:ext cx="1605280" cy="523220"/>
+          </a:xfrm>
+          <a:prstGeom prst="rect">
+            <a:avLst/>
+          </a:prstGeom>
+          <a:noFill/>
+          <a:ln w="12700" cap="flat">
+            <a:noFill/>
+            <a:miter lim="400000"/>
+          </a:ln>
+          <a:effectLst/>
+          <a:sp3d/>
+        </p:spPr>
+        <p:style>
+          <a:lnRef idx="0">
+            <a:scrgbClr r="0" g="0" b="0"/>
+          </a:lnRef>
+          <a:fillRef idx="0">
+            <a:scrgbClr r="0" g="0" b="0"/>
+          </a:fillRef>
+          <a:effectRef idx="0">
+            <a:scrgbClr r="0" g="0" b="0"/>
+          </a:effectRef>
+          <a:fontRef idx="none"/>
+        </p:style>
+        <p:txBody>
+          <a:bodyPr wrap="square">
+            <a:spAutoFit/>
+          </a:bodyPr>
+          <a:lstStyle/>
+          <a:p>
+            <a:r>
+              <a:rPr lang="en-GB" sz="2800" b="1" dirty="0">
+                <a:ln w="3175">
+                  <a:noFill/>
+                </a:ln>
+                <a:solidFill>
+                  <a:schemeClr val="bg1">
+                    <a:lumMod val="50000"/>
+                  </a:schemeClr>
+                </a:solidFill>
+              </a:rPr>
+              <a:t>List</a:t>
+            </a:r>
+            <a:endParaRPr lang="en-RO" sz="2800" b="1" dirty="0">
+              <a:ln w="3175">
+                <a:noFill/>
+              </a:ln>
+              <a:solidFill>
+                <a:schemeClr val="bg1">
+                  <a:lumMod val="50000"/>
+                </a:schemeClr>
+              </a:solidFill>
+            </a:endParaRPr>
+          </a:p>
+        </p:txBody>
+      </p:sp>
+      <p:cxnSp>
+        <p:nvCxnSpPr>
+          <p:cNvPr id="8" name="Elbow Connector 7">
+            <a:extLst>
+              <a:ext uri="{FF2B5EF4-FFF2-40B4-BE49-F238E27FC236}">
+                <a16:creationId xmlns:a16="http://schemas.microsoft.com/office/drawing/2014/main" id="{30F24ADB-41A6-9399-F456-E5FD559F76C7}"/>
+              </a:ext>
+            </a:extLst>
+          </p:cNvPr>
+          <p:cNvCxnSpPr>
+            <a:cxnSpLocks/>
+          </p:cNvCxnSpPr>
+          <p:nvPr/>
+        </p:nvCxnSpPr>
+        <p:spPr>
+          <a:xfrm rot="10800000" flipV="1">
+            <a:off x="1965391" y="1146544"/>
+            <a:ext cx="3270006" cy="1710286"/>
+          </a:xfrm>
+          <a:prstGeom prst="bentConnector3">
+            <a:avLst>
+              <a:gd name="adj1" fmla="val 120782"/>
+            </a:avLst>
+          </a:prstGeom>
+          <a:noFill/>
+          <a:ln w="38100" cap="flat">
+            <a:solidFill>
+              <a:schemeClr val="accent1"/>
+            </a:solidFill>
+            <a:prstDash val="solid"/>
+            <a:round/>
+            <a:headEnd type="triangle" w="lg" len="lg"/>
+            <a:tailEnd type="triangle" w="lg" len="lg"/>
+          </a:ln>
+          <a:effectLst>
+            <a:outerShdw blurRad="38100" dist="25400" dir="5400000" rotWithShape="0">
+              <a:srgbClr val="000000">
+                <a:alpha val="50000"/>
+              </a:srgbClr>
+            </a:outerShdw>
+          </a:effectLst>
+          <a:sp3d/>
+        </p:spPr>
+        <p:style>
+          <a:lnRef idx="0">
+            <a:scrgbClr r="0" g="0" b="0"/>
+          </a:lnRef>
+          <a:fillRef idx="0">
+            <a:scrgbClr r="0" g="0" b="0"/>
+          </a:fillRef>
+          <a:effectRef idx="0">
+            <a:scrgbClr r="0" g="0" b="0"/>
+          </a:effectRef>
+          <a:fontRef idx="none"/>
+        </p:style>
+      </p:cxnSp>
+      <p:cxnSp>
+        <p:nvCxnSpPr>
+          <p:cNvPr id="12" name="Elbow Connector 11">
+            <a:extLst>
+              <a:ext uri="{FF2B5EF4-FFF2-40B4-BE49-F238E27FC236}">
+                <a16:creationId xmlns:a16="http://schemas.microsoft.com/office/drawing/2014/main" id="{2B05687C-FA9A-2352-7483-DF73B0BFF094}"/>
+              </a:ext>
+            </a:extLst>
+          </p:cNvPr>
+          <p:cNvCxnSpPr>
+            <a:cxnSpLocks/>
+            <a:stCxn id="6" idx="3"/>
+          </p:cNvCxnSpPr>
+          <p:nvPr/>
+        </p:nvCxnSpPr>
+        <p:spPr>
+          <a:xfrm>
+            <a:off x="7881266" y="1146547"/>
+            <a:ext cx="3270006" cy="1682415"/>
+          </a:xfrm>
+          <a:prstGeom prst="bentConnector3">
+            <a:avLst>
+              <a:gd name="adj1" fmla="val 122093"/>
+            </a:avLst>
+          </a:prstGeom>
+          <a:noFill/>
+          <a:ln w="38100" cap="flat">
+            <a:solidFill>
+              <a:schemeClr val="accent1"/>
+            </a:solidFill>
+            <a:prstDash val="solid"/>
+            <a:round/>
+            <a:headEnd type="triangle" w="lg" len="lg"/>
+            <a:tailEnd type="triangle" w="lg" len="lg"/>
+          </a:ln>
+          <a:effectLst>
+            <a:outerShdw blurRad="38100" dist="25400" dir="5400000" rotWithShape="0">
+              <a:srgbClr val="000000">
+                <a:alpha val="50000"/>
+              </a:srgbClr>
+            </a:outerShdw>
+          </a:effectLst>
+          <a:sp3d/>
+        </p:spPr>
+        <p:style>
+          <a:lnRef idx="0">
+            <a:scrgbClr r="0" g="0" b="0"/>
+          </a:lnRef>
+          <a:fillRef idx="0">
+            <a:scrgbClr r="0" g="0" b="0"/>
+          </a:fillRef>
+          <a:effectRef idx="0">
+            <a:scrgbClr r="0" g="0" b="0"/>
+          </a:effectRef>
+          <a:fontRef idx="none"/>
+        </p:style>
+      </p:cxnSp>
+      <p:sp>
+        <p:nvSpPr>
+          <p:cNvPr id="9" name="Shape 129">
+            <a:extLst>
+              <a:ext uri="{FF2B5EF4-FFF2-40B4-BE49-F238E27FC236}">
+                <a16:creationId xmlns:a16="http://schemas.microsoft.com/office/drawing/2014/main" id="{2E5ECFFC-B11E-2B8B-9C64-D807C3EDD4B6}"/>
+              </a:ext>
+            </a:extLst>
+          </p:cNvPr>
+          <p:cNvSpPr/>
+          <p:nvPr/>
+        </p:nvSpPr>
+        <p:spPr>
+          <a:xfrm>
+            <a:off x="2743624" y="4066031"/>
+            <a:ext cx="1086836" cy="410369"/>
+          </a:xfrm>
+          <a:prstGeom prst="rect">
+            <a:avLst/>
+          </a:prstGeom>
+          <a:noFill/>
+          <a:ln w="12700" cap="flat">
+            <a:noFill/>
+            <a:miter lim="400000"/>
+          </a:ln>
+          <a:effectLst/>
+          <a:extLst>
+            <a:ext uri="{C572A759-6A51-4108-AA02-DFA0A04FC94B}">
+              <ma14:wrappingTextBoxFlag xmlns:ma14="http://schemas.microsoft.com/office/mac/drawingml/2011/main" xmlns="" val="1"/>
+            </a:ext>
+          </a:extLst>
+        </p:spPr>
+        <p:txBody>
+          <a:bodyPr wrap="none" lIns="50800" tIns="50800" rIns="50800" bIns="50800" numCol="1" anchor="ctr">
+            <a:spAutoFit/>
+          </a:bodyPr>
+          <a:lstStyle>
+            <a:lvl1pPr>
+              <a:defRPr sz="2000" b="1">
+                <a:solidFill>
+                  <a:srgbClr val="FFFFFF"/>
+                </a:solidFill>
+              </a:defRPr>
+            </a:lvl1pPr>
+          </a:lstStyle>
+          <a:p>
+            <a:r>
+              <a:rPr lang="ro-RO" dirty="0" err="1"/>
+              <a:t>Payload</a:t>
+            </a:r>
+            <a:endParaRPr lang="ro-RO" dirty="0"/>
+          </a:p>
+        </p:txBody>
+      </p:sp>
+    </p:spTree>
+    <p:extLst>
+      <p:ext uri="{BB962C8B-B14F-4D97-AF65-F5344CB8AC3E}">
+        <p14:creationId xmlns:p14="http://schemas.microsoft.com/office/powerpoint/2010/main" val="774760206"/>
+      </p:ext>
+    </p:extLst>
+  </p:cSld>
+  <p:clrMapOvr>
+    <a:masterClrMapping/>
+  </p:clrMapOvr>
+  <p:transition spd="med"/>
+</p:sld>
+</file>
+
+<file path=ppt/slides/slide3.xml><?xml version="1.0" encoding="utf-8"?>
+<p:sld xmlns:a="http://schemas.openxmlformats.org/drawingml/2006/main" xmlns:r="http://schemas.openxmlformats.org/officeDocument/2006/relationships" xmlns:p="http://schemas.openxmlformats.org/presentationml/2006/main">
+  <p:cSld>
+    <p:spTree>
+      <p:nvGrpSpPr>
+        <p:cNvPr id="1" name=""/>
+        <p:cNvGrpSpPr/>
+        <p:nvPr/>
+      </p:nvGrpSpPr>
+      <p:grpSpPr>
+        <a:xfrm>
+          <a:off x="0" y="0"/>
+          <a:ext cx="0" cy="0"/>
+          <a:chOff x="0" y="0"/>
+          <a:chExt cx="0" cy="0"/>
+        </a:xfrm>
+      </p:grpSpPr>
+      <p:sp>
+        <p:nvSpPr>
+          <p:cNvPr id="6" name="Shape 148">
+            <a:extLst>
+              <a:ext uri="{FF2B5EF4-FFF2-40B4-BE49-F238E27FC236}">
+                <a16:creationId xmlns:a16="http://schemas.microsoft.com/office/drawing/2014/main" id="{CC901988-E259-8F9F-ACA2-7201F4553EC2}"/>
+              </a:ext>
+            </a:extLst>
+          </p:cNvPr>
+          <p:cNvSpPr/>
+          <p:nvPr/>
+        </p:nvSpPr>
+        <p:spPr>
+          <a:xfrm>
             <a:off x="5269464" y="903724"/>
             <a:ext cx="2645869" cy="467174"/>
           </a:xfrm>
